--- a/test.pptx
+++ b/test.pptx
@@ -13,6 +13,20 @@
     <p:sldId id="261" r:id="rId7"/>
     <p:sldId id="262" r:id="rId8"/>
     <p:sldId id="263" r:id="rId9"/>
+    <p:sldId id="264" r:id="rId10"/>
+    <p:sldId id="265" r:id="rId11"/>
+    <p:sldId id="266" r:id="rId12"/>
+    <p:sldId id="267" r:id="rId13"/>
+    <p:sldId id="268" r:id="rId14"/>
+    <p:sldId id="269" r:id="rId15"/>
+    <p:sldId id="270" r:id="rId16"/>
+    <p:sldId id="271" r:id="rId17"/>
+    <p:sldId id="272" r:id="rId18"/>
+    <p:sldId id="273" r:id="rId19"/>
+    <p:sldId id="274" r:id="rId20"/>
+    <p:sldId id="275" r:id="rId21"/>
+    <p:sldId id="276" r:id="rId22"/>
+    <p:sldId id="277" r:id="rId23"/>
   </p:sldIdLst>
   <p:sldSz cx="12192000" cy="6858000"/>
   <p:notesSz cx="6858000" cy="9144000"/>
@@ -111,165 +125,12 @@
       </a:defRPr>
     </a:lvl9pPr>
   </p:defaultTextStyle>
+  <p:extLst>
+    <p:ext uri="{EFAFB233-063F-42B5-8137-9DF3F51BA10A}">
+      <p15:sldGuideLst xmlns:p15="http://schemas.microsoft.com/office/powerpoint/2012/main"/>
+    </p:ext>
+  </p:extLst>
 </p:presentation>
-</file>
-
-<file path=ppt/changesInfos/changesInfo1.xml><?xml version="1.0" encoding="utf-8"?>
-<pc:chgInfo xmlns:a="http://schemas.openxmlformats.org/drawingml/2006/main" xmlns:r="http://schemas.openxmlformats.org/officeDocument/2006/relationships" xmlns:ac="http://schemas.microsoft.com/office/drawing/2013/main/command" xmlns:pc="http://schemas.microsoft.com/office/powerpoint/2013/main/command">
-  <pc:docChgLst>
-    <pc:chgData name="Rohan Gupta" userId="f220c141-8c90-48d3-b823-d05e45a7d3ac" providerId="ADAL" clId="{2B919D8C-46A2-4EDF-B3B4-1EE010575DB1}"/>
-    <pc:docChg chg="undo custSel addSld modSld">
-      <pc:chgData name="Rohan Gupta" userId="f220c141-8c90-48d3-b823-d05e45a7d3ac" providerId="ADAL" clId="{2B919D8C-46A2-4EDF-B3B4-1EE010575DB1}" dt="2024-03-25T08:26:33.065" v="173" actId="20577"/>
-      <pc:docMkLst>
-        <pc:docMk/>
-      </pc:docMkLst>
-      <pc:sldChg chg="addSp modSp new mod">
-        <pc:chgData name="Rohan Gupta" userId="f220c141-8c90-48d3-b823-d05e45a7d3ac" providerId="ADAL" clId="{2B919D8C-46A2-4EDF-B3B4-1EE010575DB1}" dt="2024-03-25T05:23:48.868" v="4" actId="14100"/>
-        <pc:sldMkLst>
-          <pc:docMk/>
-          <pc:sldMk cId="908735304" sldId="256"/>
-        </pc:sldMkLst>
-        <pc:spChg chg="add mod">
-          <ac:chgData name="Rohan Gupta" userId="f220c141-8c90-48d3-b823-d05e45a7d3ac" providerId="ADAL" clId="{2B919D8C-46A2-4EDF-B3B4-1EE010575DB1}" dt="2024-03-25T05:23:40.176" v="2" actId="1076"/>
-          <ac:spMkLst>
-            <pc:docMk/>
-            <pc:sldMk cId="908735304" sldId="256"/>
-            <ac:spMk id="5" creationId="{A5A1BF29-84F8-5464-02F7-D46C2F23D73A}"/>
-          </ac:spMkLst>
-        </pc:spChg>
-        <pc:picChg chg="add mod">
-          <ac:chgData name="Rohan Gupta" userId="f220c141-8c90-48d3-b823-d05e45a7d3ac" providerId="ADAL" clId="{2B919D8C-46A2-4EDF-B3B4-1EE010575DB1}" dt="2024-03-25T05:23:48.868" v="4" actId="14100"/>
-          <ac:picMkLst>
-            <pc:docMk/>
-            <pc:sldMk cId="908735304" sldId="256"/>
-            <ac:picMk id="7" creationId="{ACA200AF-9DEB-EED5-6256-CDC63FD4D66E}"/>
-          </ac:picMkLst>
-        </pc:picChg>
-      </pc:sldChg>
-      <pc:sldChg chg="addSp modSp new mod">
-        <pc:chgData name="Rohan Gupta" userId="f220c141-8c90-48d3-b823-d05e45a7d3ac" providerId="ADAL" clId="{2B919D8C-46A2-4EDF-B3B4-1EE010575DB1}" dt="2024-03-25T05:24:02.612" v="8" actId="14100"/>
-        <pc:sldMkLst>
-          <pc:docMk/>
-          <pc:sldMk cId="864657654" sldId="257"/>
-        </pc:sldMkLst>
-        <pc:picChg chg="add mod">
-          <ac:chgData name="Rohan Gupta" userId="f220c141-8c90-48d3-b823-d05e45a7d3ac" providerId="ADAL" clId="{2B919D8C-46A2-4EDF-B3B4-1EE010575DB1}" dt="2024-03-25T05:24:02.612" v="8" actId="14100"/>
-          <ac:picMkLst>
-            <pc:docMk/>
-            <pc:sldMk cId="864657654" sldId="257"/>
-            <ac:picMk id="5" creationId="{5D9FD728-0976-6F93-94E7-AE3CAADBEB8B}"/>
-          </ac:picMkLst>
-        </pc:picChg>
-      </pc:sldChg>
-      <pc:sldChg chg="addSp modSp new mod">
-        <pc:chgData name="Rohan Gupta" userId="f220c141-8c90-48d3-b823-d05e45a7d3ac" providerId="ADAL" clId="{2B919D8C-46A2-4EDF-B3B4-1EE010575DB1}" dt="2024-03-25T08:26:33.065" v="173" actId="20577"/>
-        <pc:sldMkLst>
-          <pc:docMk/>
-          <pc:sldMk cId="1606967038" sldId="258"/>
-        </pc:sldMkLst>
-        <pc:spChg chg="add mod">
-          <ac:chgData name="Rohan Gupta" userId="f220c141-8c90-48d3-b823-d05e45a7d3ac" providerId="ADAL" clId="{2B919D8C-46A2-4EDF-B3B4-1EE010575DB1}" dt="2024-03-25T08:23:20.100" v="29" actId="20577"/>
-          <ac:spMkLst>
-            <pc:docMk/>
-            <pc:sldMk cId="1606967038" sldId="258"/>
-            <ac:spMk id="4" creationId="{0BA555D4-399E-A1A7-9326-8F4078D8C344}"/>
-          </ac:spMkLst>
-        </pc:spChg>
-        <pc:spChg chg="add mod">
-          <ac:chgData name="Rohan Gupta" userId="f220c141-8c90-48d3-b823-d05e45a7d3ac" providerId="ADAL" clId="{2B919D8C-46A2-4EDF-B3B4-1EE010575DB1}" dt="2024-03-25T08:26:33.065" v="173" actId="20577"/>
-          <ac:spMkLst>
-            <pc:docMk/>
-            <pc:sldMk cId="1606967038" sldId="258"/>
-            <ac:spMk id="6" creationId="{8C118CB6-A6B2-887D-0C03-7212292C021B}"/>
-          </ac:spMkLst>
-        </pc:spChg>
-        <pc:picChg chg="add mod">
-          <ac:chgData name="Rohan Gupta" userId="f220c141-8c90-48d3-b823-d05e45a7d3ac" providerId="ADAL" clId="{2B919D8C-46A2-4EDF-B3B4-1EE010575DB1}" dt="2024-03-25T08:23:09.734" v="22" actId="1076"/>
-          <ac:picMkLst>
-            <pc:docMk/>
-            <pc:sldMk cId="1606967038" sldId="258"/>
-            <ac:picMk id="3" creationId="{DC71633C-A959-9FB0-5C74-860CF1ADA784}"/>
-          </ac:picMkLst>
-        </pc:picChg>
-      </pc:sldChg>
-      <pc:sldChg chg="addSp new mod">
-        <pc:chgData name="Rohan Gupta" userId="f220c141-8c90-48d3-b823-d05e45a7d3ac" providerId="ADAL" clId="{2B919D8C-46A2-4EDF-B3B4-1EE010575DB1}" dt="2024-03-25T08:20:43.053" v="12" actId="22"/>
-        <pc:sldMkLst>
-          <pc:docMk/>
-          <pc:sldMk cId="4072702190" sldId="259"/>
-        </pc:sldMkLst>
-        <pc:picChg chg="add">
-          <ac:chgData name="Rohan Gupta" userId="f220c141-8c90-48d3-b823-d05e45a7d3ac" providerId="ADAL" clId="{2B919D8C-46A2-4EDF-B3B4-1EE010575DB1}" dt="2024-03-25T08:20:43.053" v="12" actId="22"/>
-          <ac:picMkLst>
-            <pc:docMk/>
-            <pc:sldMk cId="4072702190" sldId="259"/>
-            <ac:picMk id="3" creationId="{315AF806-6A91-8736-06BD-7DD4967924F1}"/>
-          </ac:picMkLst>
-        </pc:picChg>
-      </pc:sldChg>
-      <pc:sldChg chg="addSp new mod">
-        <pc:chgData name="Rohan Gupta" userId="f220c141-8c90-48d3-b823-d05e45a7d3ac" providerId="ADAL" clId="{2B919D8C-46A2-4EDF-B3B4-1EE010575DB1}" dt="2024-03-25T08:21:11.854" v="13" actId="22"/>
-        <pc:sldMkLst>
-          <pc:docMk/>
-          <pc:sldMk cId="616728122" sldId="260"/>
-        </pc:sldMkLst>
-        <pc:picChg chg="add">
-          <ac:chgData name="Rohan Gupta" userId="f220c141-8c90-48d3-b823-d05e45a7d3ac" providerId="ADAL" clId="{2B919D8C-46A2-4EDF-B3B4-1EE010575DB1}" dt="2024-03-25T08:21:11.854" v="13" actId="22"/>
-          <ac:picMkLst>
-            <pc:docMk/>
-            <pc:sldMk cId="616728122" sldId="260"/>
-            <ac:picMk id="3" creationId="{C84463CA-2CB1-ACCD-6DFC-1EA7AD604A76}"/>
-          </ac:picMkLst>
-        </pc:picChg>
-      </pc:sldChg>
-      <pc:sldChg chg="addSp new mod">
-        <pc:chgData name="Rohan Gupta" userId="f220c141-8c90-48d3-b823-d05e45a7d3ac" providerId="ADAL" clId="{2B919D8C-46A2-4EDF-B3B4-1EE010575DB1}" dt="2024-03-25T08:21:35.630" v="15" actId="22"/>
-        <pc:sldMkLst>
-          <pc:docMk/>
-          <pc:sldMk cId="3115678694" sldId="261"/>
-        </pc:sldMkLst>
-        <pc:picChg chg="add">
-          <ac:chgData name="Rohan Gupta" userId="f220c141-8c90-48d3-b823-d05e45a7d3ac" providerId="ADAL" clId="{2B919D8C-46A2-4EDF-B3B4-1EE010575DB1}" dt="2024-03-25T08:21:35.630" v="15" actId="22"/>
-          <ac:picMkLst>
-            <pc:docMk/>
-            <pc:sldMk cId="3115678694" sldId="261"/>
-            <ac:picMk id="3" creationId="{BED08A6D-77D8-7BBF-E42A-4B1A7426FED9}"/>
-          </ac:picMkLst>
-        </pc:picChg>
-      </pc:sldChg>
-      <pc:sldChg chg="addSp new mod">
-        <pc:chgData name="Rohan Gupta" userId="f220c141-8c90-48d3-b823-d05e45a7d3ac" providerId="ADAL" clId="{2B919D8C-46A2-4EDF-B3B4-1EE010575DB1}" dt="2024-03-25T08:22:06.478" v="17" actId="22"/>
-        <pc:sldMkLst>
-          <pc:docMk/>
-          <pc:sldMk cId="1043727316" sldId="262"/>
-        </pc:sldMkLst>
-        <pc:picChg chg="add">
-          <ac:chgData name="Rohan Gupta" userId="f220c141-8c90-48d3-b823-d05e45a7d3ac" providerId="ADAL" clId="{2B919D8C-46A2-4EDF-B3B4-1EE010575DB1}" dt="2024-03-25T08:22:06.478" v="17" actId="22"/>
-          <ac:picMkLst>
-            <pc:docMk/>
-            <pc:sldMk cId="1043727316" sldId="262"/>
-            <ac:picMk id="3" creationId="{D87D7271-A413-E95B-7982-283E67B71E0F}"/>
-          </ac:picMkLst>
-        </pc:picChg>
-      </pc:sldChg>
-      <pc:sldChg chg="addSp new mod">
-        <pc:chgData name="Rohan Gupta" userId="f220c141-8c90-48d3-b823-d05e45a7d3ac" providerId="ADAL" clId="{2B919D8C-46A2-4EDF-B3B4-1EE010575DB1}" dt="2024-03-25T08:22:38.895" v="19" actId="22"/>
-        <pc:sldMkLst>
-          <pc:docMk/>
-          <pc:sldMk cId="2157974518" sldId="263"/>
-        </pc:sldMkLst>
-        <pc:picChg chg="add">
-          <ac:chgData name="Rohan Gupta" userId="f220c141-8c90-48d3-b823-d05e45a7d3ac" providerId="ADAL" clId="{2B919D8C-46A2-4EDF-B3B4-1EE010575DB1}" dt="2024-03-25T08:22:38.895" v="19" actId="22"/>
-          <ac:picMkLst>
-            <pc:docMk/>
-            <pc:sldMk cId="2157974518" sldId="263"/>
-            <ac:picMk id="3" creationId="{44D3C054-8793-676C-2B51-23A55980980C}"/>
-          </ac:picMkLst>
-        </pc:picChg>
-      </pc:sldChg>
-    </pc:docChg>
-  </pc:docChgLst>
-</pc:chgInfo>
 </file>
 
 <file path=ppt/slideLayouts/slideLayout1.xml><?xml version="1.0" encoding="utf-8"?>
@@ -419,7 +280,7 @@
           <a:p>
             <a:fld id="{6842F0CD-E94C-4A20-8E12-1078495BCC36}" type="datetimeFigureOut">
               <a:rPr lang="en-US" smtClean="0"/>
-              <a:t>3/25/2024</a:t>
+              <a:t>4/7/2024</a:t>
             </a:fld>
             <a:endParaRPr lang="en-US"/>
           </a:p>
@@ -617,7 +478,7 @@
           <a:p>
             <a:fld id="{6842F0CD-E94C-4A20-8E12-1078495BCC36}" type="datetimeFigureOut">
               <a:rPr lang="en-US" smtClean="0"/>
-              <a:t>3/25/2024</a:t>
+              <a:t>4/7/2024</a:t>
             </a:fld>
             <a:endParaRPr lang="en-US"/>
           </a:p>
@@ -825,7 +686,7 @@
           <a:p>
             <a:fld id="{6842F0CD-E94C-4A20-8E12-1078495BCC36}" type="datetimeFigureOut">
               <a:rPr lang="en-US" smtClean="0"/>
-              <a:t>3/25/2024</a:t>
+              <a:t>4/7/2024</a:t>
             </a:fld>
             <a:endParaRPr lang="en-US"/>
           </a:p>
@@ -1023,7 +884,7 @@
           <a:p>
             <a:fld id="{6842F0CD-E94C-4A20-8E12-1078495BCC36}" type="datetimeFigureOut">
               <a:rPr lang="en-US" smtClean="0"/>
-              <a:t>3/25/2024</a:t>
+              <a:t>4/7/2024</a:t>
             </a:fld>
             <a:endParaRPr lang="en-US"/>
           </a:p>
@@ -1298,7 +1159,7 @@
           <a:p>
             <a:fld id="{6842F0CD-E94C-4A20-8E12-1078495BCC36}" type="datetimeFigureOut">
               <a:rPr lang="en-US" smtClean="0"/>
-              <a:t>3/25/2024</a:t>
+              <a:t>4/7/2024</a:t>
             </a:fld>
             <a:endParaRPr lang="en-US"/>
           </a:p>
@@ -1563,7 +1424,7 @@
           <a:p>
             <a:fld id="{6842F0CD-E94C-4A20-8E12-1078495BCC36}" type="datetimeFigureOut">
               <a:rPr lang="en-US" smtClean="0"/>
-              <a:t>3/25/2024</a:t>
+              <a:t>4/7/2024</a:t>
             </a:fld>
             <a:endParaRPr lang="en-US"/>
           </a:p>
@@ -1975,7 +1836,7 @@
           <a:p>
             <a:fld id="{6842F0CD-E94C-4A20-8E12-1078495BCC36}" type="datetimeFigureOut">
               <a:rPr lang="en-US" smtClean="0"/>
-              <a:t>3/25/2024</a:t>
+              <a:t>4/7/2024</a:t>
             </a:fld>
             <a:endParaRPr lang="en-US"/>
           </a:p>
@@ -2116,7 +1977,7 @@
           <a:p>
             <a:fld id="{6842F0CD-E94C-4A20-8E12-1078495BCC36}" type="datetimeFigureOut">
               <a:rPr lang="en-US" smtClean="0"/>
-              <a:t>3/25/2024</a:t>
+              <a:t>4/7/2024</a:t>
             </a:fld>
             <a:endParaRPr lang="en-US"/>
           </a:p>
@@ -2229,7 +2090,7 @@
           <a:p>
             <a:fld id="{6842F0CD-E94C-4A20-8E12-1078495BCC36}" type="datetimeFigureOut">
               <a:rPr lang="en-US" smtClean="0"/>
-              <a:t>3/25/2024</a:t>
+              <a:t>4/7/2024</a:t>
             </a:fld>
             <a:endParaRPr lang="en-US"/>
           </a:p>
@@ -2540,7 +2401,7 @@
           <a:p>
             <a:fld id="{6842F0CD-E94C-4A20-8E12-1078495BCC36}" type="datetimeFigureOut">
               <a:rPr lang="en-US" smtClean="0"/>
-              <a:t>3/25/2024</a:t>
+              <a:t>4/7/2024</a:t>
             </a:fld>
             <a:endParaRPr lang="en-US"/>
           </a:p>
@@ -2828,7 +2689,7 @@
           <a:p>
             <a:fld id="{6842F0CD-E94C-4A20-8E12-1078495BCC36}" type="datetimeFigureOut">
               <a:rPr lang="en-US" smtClean="0"/>
-              <a:t>3/25/2024</a:t>
+              <a:t>4/7/2024</a:t>
             </a:fld>
             <a:endParaRPr lang="en-US"/>
           </a:p>
@@ -3069,7 +2930,7 @@
           <a:p>
             <a:fld id="{6842F0CD-E94C-4A20-8E12-1078495BCC36}" type="datetimeFigureOut">
               <a:rPr lang="en-US" smtClean="0"/>
-              <a:t>3/25/2024</a:t>
+              <a:t>4/7/2024</a:t>
             </a:fld>
             <a:endParaRPr lang="en-US"/>
           </a:p>
@@ -4251,6 +4112,1200 @@
 </p:sld>
 </file>
 
+<file path=ppt/slides/slide10.xml><?xml version="1.0" encoding="utf-8"?>
+<p:sld xmlns:a="http://schemas.openxmlformats.org/drawingml/2006/main" xmlns:r="http://schemas.openxmlformats.org/officeDocument/2006/relationships" xmlns:p="http://schemas.openxmlformats.org/presentationml/2006/main">
+  <p:cSld>
+    <p:spTree>
+      <p:nvGrpSpPr>
+        <p:cNvPr id="1" name=""/>
+        <p:cNvGrpSpPr/>
+        <p:nvPr/>
+      </p:nvGrpSpPr>
+      <p:grpSpPr>
+        <a:xfrm>
+          <a:off x="0" y="0"/>
+          <a:ext cx="0" cy="0"/>
+          <a:chOff x="0" y="0"/>
+          <a:chExt cx="0" cy="0"/>
+        </a:xfrm>
+      </p:grpSpPr>
+      <p:pic>
+        <p:nvPicPr>
+          <p:cNvPr id="3" name="Picture 2">
+            <a:extLst>
+              <a:ext uri="{FF2B5EF4-FFF2-40B4-BE49-F238E27FC236}">
+                <a16:creationId xmlns:a16="http://schemas.microsoft.com/office/drawing/2014/main" id="{D9A0E6CA-39A8-3D41-5C5F-8493F3444507}"/>
+              </a:ext>
+            </a:extLst>
+          </p:cNvPr>
+          <p:cNvPicPr>
+            <a:picLocks noChangeAspect="1"/>
+          </p:cNvPicPr>
+          <p:nvPr/>
+        </p:nvPicPr>
+        <p:blipFill>
+          <a:blip r:embed="rId2"/>
+          <a:stretch>
+            <a:fillRect/>
+          </a:stretch>
+        </p:blipFill>
+        <p:spPr>
+          <a:xfrm>
+            <a:off x="0" y="1234958"/>
+            <a:ext cx="12192000" cy="4388083"/>
+          </a:xfrm>
+          <a:prstGeom prst="rect">
+            <a:avLst/>
+          </a:prstGeom>
+        </p:spPr>
+      </p:pic>
+    </p:spTree>
+    <p:extLst>
+      <p:ext uri="{BB962C8B-B14F-4D97-AF65-F5344CB8AC3E}">
+        <p14:creationId xmlns:p14="http://schemas.microsoft.com/office/powerpoint/2010/main" val="1555590784"/>
+      </p:ext>
+    </p:extLst>
+  </p:cSld>
+  <p:clrMapOvr>
+    <a:masterClrMapping/>
+  </p:clrMapOvr>
+</p:sld>
+</file>
+
+<file path=ppt/slides/slide11.xml><?xml version="1.0" encoding="utf-8"?>
+<p:sld xmlns:a="http://schemas.openxmlformats.org/drawingml/2006/main" xmlns:r="http://schemas.openxmlformats.org/officeDocument/2006/relationships" xmlns:p="http://schemas.openxmlformats.org/presentationml/2006/main">
+  <p:cSld>
+    <p:spTree>
+      <p:nvGrpSpPr>
+        <p:cNvPr id="1" name=""/>
+        <p:cNvGrpSpPr/>
+        <p:nvPr/>
+      </p:nvGrpSpPr>
+      <p:grpSpPr>
+        <a:xfrm>
+          <a:off x="0" y="0"/>
+          <a:ext cx="0" cy="0"/>
+          <a:chOff x="0" y="0"/>
+          <a:chExt cx="0" cy="0"/>
+        </a:xfrm>
+      </p:grpSpPr>
+      <p:sp>
+        <p:nvSpPr>
+          <p:cNvPr id="3" name="TextBox 2">
+            <a:extLst>
+              <a:ext uri="{FF2B5EF4-FFF2-40B4-BE49-F238E27FC236}">
+                <a16:creationId xmlns:a16="http://schemas.microsoft.com/office/drawing/2014/main" id="{213AC7F0-A864-5096-A602-D99095EB9E57}"/>
+              </a:ext>
+            </a:extLst>
+          </p:cNvPr>
+          <p:cNvSpPr txBox="1"/>
+          <p:nvPr/>
+        </p:nvSpPr>
+        <p:spPr>
+          <a:xfrm>
+            <a:off x="3047223" y="2413338"/>
+            <a:ext cx="6097554" cy="2585323"/>
+          </a:xfrm>
+          <a:prstGeom prst="rect">
+            <a:avLst/>
+          </a:prstGeom>
+          <a:noFill/>
+        </p:spPr>
+        <p:txBody>
+          <a:bodyPr wrap="square">
+            <a:spAutoFit/>
+          </a:bodyPr>
+          <a:lstStyle/>
+          <a:p>
+            <a:r>
+              <a:rPr lang="en-US" dirty="0"/>
+              <a:t>@00000000</a:t>
+            </a:r>
+          </a:p>
+          <a:p>
+            <a:r>
+              <a:rPr lang="en-US" dirty="0"/>
+              <a:t>00500293	</a:t>
+            </a:r>
+            <a:r>
+              <a:rPr lang="en-US" dirty="0" err="1"/>
+              <a:t>addi</a:t>
+            </a:r>
+            <a:r>
+              <a:rPr lang="en-US" dirty="0"/>
+              <a:t> r5, 5(r0)</a:t>
+            </a:r>
+          </a:p>
+          <a:p>
+            <a:r>
+              <a:rPr lang="en-US" dirty="0"/>
+              <a:t>00300313	</a:t>
+            </a:r>
+            <a:r>
+              <a:rPr lang="en-US" dirty="0" err="1"/>
+              <a:t>addi</a:t>
+            </a:r>
+            <a:r>
+              <a:rPr lang="en-US" dirty="0"/>
+              <a:t> r6, 3(r0)</a:t>
+            </a:r>
+          </a:p>
+          <a:p>
+            <a:r>
+              <a:rPr lang="en-US" dirty="0"/>
+              <a:t>00000000</a:t>
+            </a:r>
+          </a:p>
+          <a:p>
+            <a:r>
+              <a:rPr lang="en-US" dirty="0"/>
+              <a:t>006283B3	add r7,r5,r6</a:t>
+            </a:r>
+          </a:p>
+          <a:p>
+            <a:r>
+              <a:rPr lang="en-US" dirty="0"/>
+              <a:t>00002403	Lw r8,0(r0)</a:t>
+            </a:r>
+          </a:p>
+          <a:p>
+            <a:r>
+              <a:rPr lang="en-US" dirty="0"/>
+              <a:t>00100493	</a:t>
+            </a:r>
+            <a:r>
+              <a:rPr lang="en-US" dirty="0" err="1"/>
+              <a:t>addi</a:t>
+            </a:r>
+            <a:r>
+              <a:rPr lang="en-US" dirty="0"/>
+              <a:t> r9,1(r0)</a:t>
+            </a:r>
+          </a:p>
+          <a:p>
+            <a:r>
+              <a:rPr lang="en-US" dirty="0"/>
+              <a:t>00000000</a:t>
+            </a:r>
+          </a:p>
+          <a:p>
+            <a:r>
+              <a:rPr lang="en-US" dirty="0"/>
+              <a:t>00940533	add r10,r8,r9</a:t>
+            </a:r>
+          </a:p>
+        </p:txBody>
+      </p:sp>
+      <p:pic>
+        <p:nvPicPr>
+          <p:cNvPr id="5" name="Picture 4">
+            <a:extLst>
+              <a:ext uri="{FF2B5EF4-FFF2-40B4-BE49-F238E27FC236}">
+                <a16:creationId xmlns:a16="http://schemas.microsoft.com/office/drawing/2014/main" id="{1B757F7A-2BC4-96F9-5F00-AE43B82793B3}"/>
+              </a:ext>
+            </a:extLst>
+          </p:cNvPr>
+          <p:cNvPicPr>
+            <a:picLocks noChangeAspect="1"/>
+          </p:cNvPicPr>
+          <p:nvPr/>
+        </p:nvPicPr>
+        <p:blipFill>
+          <a:blip r:embed="rId2"/>
+          <a:stretch>
+            <a:fillRect/>
+          </a:stretch>
+        </p:blipFill>
+        <p:spPr>
+          <a:xfrm>
+            <a:off x="6239358" y="1594265"/>
+            <a:ext cx="4210638" cy="1486107"/>
+          </a:xfrm>
+          <a:prstGeom prst="rect">
+            <a:avLst/>
+          </a:prstGeom>
+        </p:spPr>
+      </p:pic>
+    </p:spTree>
+    <p:extLst>
+      <p:ext uri="{BB962C8B-B14F-4D97-AF65-F5344CB8AC3E}">
+        <p14:creationId xmlns:p14="http://schemas.microsoft.com/office/powerpoint/2010/main" val="508678987"/>
+      </p:ext>
+    </p:extLst>
+  </p:cSld>
+  <p:clrMapOvr>
+    <a:masterClrMapping/>
+  </p:clrMapOvr>
+</p:sld>
+</file>
+
+<file path=ppt/slides/slide12.xml><?xml version="1.0" encoding="utf-8"?>
+<p:sld xmlns:a="http://schemas.openxmlformats.org/drawingml/2006/main" xmlns:r="http://schemas.openxmlformats.org/officeDocument/2006/relationships" xmlns:p="http://schemas.openxmlformats.org/presentationml/2006/main">
+  <p:cSld>
+    <p:spTree>
+      <p:nvGrpSpPr>
+        <p:cNvPr id="1" name=""/>
+        <p:cNvGrpSpPr/>
+        <p:nvPr/>
+      </p:nvGrpSpPr>
+      <p:grpSpPr>
+        <a:xfrm>
+          <a:off x="0" y="0"/>
+          <a:ext cx="0" cy="0"/>
+          <a:chOff x="0" y="0"/>
+          <a:chExt cx="0" cy="0"/>
+        </a:xfrm>
+      </p:grpSpPr>
+      <p:pic>
+        <p:nvPicPr>
+          <p:cNvPr id="3" name="Picture 2">
+            <a:extLst>
+              <a:ext uri="{FF2B5EF4-FFF2-40B4-BE49-F238E27FC236}">
+                <a16:creationId xmlns:a16="http://schemas.microsoft.com/office/drawing/2014/main" id="{2ECBD828-167C-586C-A969-0AFEAE1E0A9A}"/>
+              </a:ext>
+            </a:extLst>
+          </p:cNvPr>
+          <p:cNvPicPr>
+            <a:picLocks noChangeAspect="1"/>
+          </p:cNvPicPr>
+          <p:nvPr/>
+        </p:nvPicPr>
+        <p:blipFill>
+          <a:blip r:embed="rId2"/>
+          <a:stretch>
+            <a:fillRect/>
+          </a:stretch>
+        </p:blipFill>
+        <p:spPr>
+          <a:xfrm>
+            <a:off x="0" y="517477"/>
+            <a:ext cx="12192000" cy="5823045"/>
+          </a:xfrm>
+          <a:prstGeom prst="rect">
+            <a:avLst/>
+          </a:prstGeom>
+        </p:spPr>
+      </p:pic>
+    </p:spTree>
+    <p:extLst>
+      <p:ext uri="{BB962C8B-B14F-4D97-AF65-F5344CB8AC3E}">
+        <p14:creationId xmlns:p14="http://schemas.microsoft.com/office/powerpoint/2010/main" val="3163692689"/>
+      </p:ext>
+    </p:extLst>
+  </p:cSld>
+  <p:clrMapOvr>
+    <a:masterClrMapping/>
+  </p:clrMapOvr>
+</p:sld>
+</file>
+
+<file path=ppt/slides/slide13.xml><?xml version="1.0" encoding="utf-8"?>
+<p:sld xmlns:a="http://schemas.openxmlformats.org/drawingml/2006/main" xmlns:r="http://schemas.openxmlformats.org/officeDocument/2006/relationships" xmlns:p="http://schemas.openxmlformats.org/presentationml/2006/main">
+  <p:cSld>
+    <p:spTree>
+      <p:nvGrpSpPr>
+        <p:cNvPr id="1" name=""/>
+        <p:cNvGrpSpPr/>
+        <p:nvPr/>
+      </p:nvGrpSpPr>
+      <p:grpSpPr>
+        <a:xfrm>
+          <a:off x="0" y="0"/>
+          <a:ext cx="0" cy="0"/>
+          <a:chOff x="0" y="0"/>
+          <a:chExt cx="0" cy="0"/>
+        </a:xfrm>
+      </p:grpSpPr>
+      <p:pic>
+        <p:nvPicPr>
+          <p:cNvPr id="3" name="Picture 2">
+            <a:extLst>
+              <a:ext uri="{FF2B5EF4-FFF2-40B4-BE49-F238E27FC236}">
+                <a16:creationId xmlns:a16="http://schemas.microsoft.com/office/drawing/2014/main" id="{71030D89-24CA-B638-E5CB-5A1BB2B1BD46}"/>
+              </a:ext>
+            </a:extLst>
+          </p:cNvPr>
+          <p:cNvPicPr>
+            <a:picLocks noChangeAspect="1"/>
+          </p:cNvPicPr>
+          <p:nvPr/>
+        </p:nvPicPr>
+        <p:blipFill>
+          <a:blip r:embed="rId2"/>
+          <a:stretch>
+            <a:fillRect/>
+          </a:stretch>
+        </p:blipFill>
+        <p:spPr>
+          <a:xfrm>
+            <a:off x="0" y="498734"/>
+            <a:ext cx="12192000" cy="5860532"/>
+          </a:xfrm>
+          <a:prstGeom prst="rect">
+            <a:avLst/>
+          </a:prstGeom>
+        </p:spPr>
+      </p:pic>
+    </p:spTree>
+    <p:extLst>
+      <p:ext uri="{BB962C8B-B14F-4D97-AF65-F5344CB8AC3E}">
+        <p14:creationId xmlns:p14="http://schemas.microsoft.com/office/powerpoint/2010/main" val="269936626"/>
+      </p:ext>
+    </p:extLst>
+  </p:cSld>
+  <p:clrMapOvr>
+    <a:masterClrMapping/>
+  </p:clrMapOvr>
+</p:sld>
+</file>
+
+<file path=ppt/slides/slide14.xml><?xml version="1.0" encoding="utf-8"?>
+<p:sld xmlns:a="http://schemas.openxmlformats.org/drawingml/2006/main" xmlns:r="http://schemas.openxmlformats.org/officeDocument/2006/relationships" xmlns:p="http://schemas.openxmlformats.org/presentationml/2006/main">
+  <p:cSld>
+    <p:spTree>
+      <p:nvGrpSpPr>
+        <p:cNvPr id="1" name=""/>
+        <p:cNvGrpSpPr/>
+        <p:nvPr/>
+      </p:nvGrpSpPr>
+      <p:grpSpPr>
+        <a:xfrm>
+          <a:off x="0" y="0"/>
+          <a:ext cx="0" cy="0"/>
+          <a:chOff x="0" y="0"/>
+          <a:chExt cx="0" cy="0"/>
+        </a:xfrm>
+      </p:grpSpPr>
+      <p:sp>
+        <p:nvSpPr>
+          <p:cNvPr id="5" name="TextBox 4">
+            <a:extLst>
+              <a:ext uri="{FF2B5EF4-FFF2-40B4-BE49-F238E27FC236}">
+                <a16:creationId xmlns:a16="http://schemas.microsoft.com/office/drawing/2014/main" id="{E4FE3F4F-AADA-D151-8759-929283C68430}"/>
+              </a:ext>
+            </a:extLst>
+          </p:cNvPr>
+          <p:cNvSpPr txBox="1"/>
+          <p:nvPr/>
+        </p:nvSpPr>
+        <p:spPr>
+          <a:xfrm>
+            <a:off x="2600909" y="1312641"/>
+            <a:ext cx="6097554" cy="1754326"/>
+          </a:xfrm>
+          <a:prstGeom prst="rect">
+            <a:avLst/>
+          </a:prstGeom>
+          <a:noFill/>
+        </p:spPr>
+        <p:txBody>
+          <a:bodyPr wrap="square">
+            <a:spAutoFit/>
+          </a:bodyPr>
+          <a:lstStyle/>
+          <a:p>
+            <a:r>
+              <a:rPr lang="en-US" b="0" dirty="0">
+                <a:solidFill>
+                  <a:srgbClr val="ABB2BF"/>
+                </a:solidFill>
+                <a:effectLst/>
+                <a:latin typeface="Consolas" panose="020B0609020204030204" pitchFamily="49" charset="0"/>
+              </a:rPr>
+              <a:t>@</a:t>
+            </a:r>
+            <a:r>
+              <a:rPr lang="en-US" b="0" dirty="0">
+                <a:solidFill>
+                  <a:srgbClr val="D19A66"/>
+                </a:solidFill>
+                <a:effectLst/>
+                <a:latin typeface="Consolas" panose="020B0609020204030204" pitchFamily="49" charset="0"/>
+              </a:rPr>
+              <a:t>00000000</a:t>
+            </a:r>
+            <a:endParaRPr lang="en-US" b="0" dirty="0">
+              <a:solidFill>
+                <a:srgbClr val="ABB2BF"/>
+              </a:solidFill>
+              <a:effectLst/>
+              <a:latin typeface="Consolas" panose="020B0609020204030204" pitchFamily="49" charset="0"/>
+            </a:endParaRPr>
+          </a:p>
+          <a:p>
+            <a:r>
+              <a:rPr lang="en-US" b="0" dirty="0">
+                <a:solidFill>
+                  <a:srgbClr val="D19A66"/>
+                </a:solidFill>
+                <a:effectLst/>
+                <a:latin typeface="Consolas" panose="020B0609020204030204" pitchFamily="49" charset="0"/>
+              </a:rPr>
+              <a:t>00500293</a:t>
+            </a:r>
+            <a:r>
+              <a:rPr lang="en-US" b="0" dirty="0">
+                <a:solidFill>
+                  <a:srgbClr val="ABB2BF"/>
+                </a:solidFill>
+                <a:effectLst/>
+                <a:latin typeface="Consolas" panose="020B0609020204030204" pitchFamily="49" charset="0"/>
+              </a:rPr>
+              <a:t> Addi t5 t0 </a:t>
+            </a:r>
+            <a:r>
+              <a:rPr lang="en-US" b="0" dirty="0">
+                <a:solidFill>
+                  <a:srgbClr val="D19A66"/>
+                </a:solidFill>
+                <a:effectLst/>
+                <a:latin typeface="Consolas" panose="020B0609020204030204" pitchFamily="49" charset="0"/>
+              </a:rPr>
+              <a:t>5</a:t>
+            </a:r>
+            <a:endParaRPr lang="en-US" b="0" dirty="0">
+              <a:solidFill>
+                <a:srgbClr val="ABB2BF"/>
+              </a:solidFill>
+              <a:effectLst/>
+              <a:latin typeface="Consolas" panose="020B0609020204030204" pitchFamily="49" charset="0"/>
+            </a:endParaRPr>
+          </a:p>
+          <a:p>
+            <a:r>
+              <a:rPr lang="en-US" b="0" dirty="0">
+                <a:solidFill>
+                  <a:srgbClr val="D19A66"/>
+                </a:solidFill>
+                <a:effectLst/>
+                <a:latin typeface="Consolas" panose="020B0609020204030204" pitchFamily="49" charset="0"/>
+              </a:rPr>
+              <a:t>00300313</a:t>
+            </a:r>
+            <a:r>
+              <a:rPr lang="en-US" b="0" dirty="0">
+                <a:solidFill>
+                  <a:srgbClr val="ABB2BF"/>
+                </a:solidFill>
+                <a:effectLst/>
+                <a:latin typeface="Consolas" panose="020B0609020204030204" pitchFamily="49" charset="0"/>
+              </a:rPr>
+              <a:t> </a:t>
+            </a:r>
+            <a:r>
+              <a:rPr lang="en-US" b="0" dirty="0" err="1">
+                <a:solidFill>
+                  <a:srgbClr val="C678DD"/>
+                </a:solidFill>
+                <a:effectLst/>
+                <a:latin typeface="Consolas" panose="020B0609020204030204" pitchFamily="49" charset="0"/>
+              </a:rPr>
+              <a:t>addi</a:t>
+            </a:r>
+            <a:r>
+              <a:rPr lang="en-US" b="0" dirty="0">
+                <a:solidFill>
+                  <a:srgbClr val="ABB2BF"/>
+                </a:solidFill>
+                <a:effectLst/>
+                <a:latin typeface="Consolas" panose="020B0609020204030204" pitchFamily="49" charset="0"/>
+              </a:rPr>
+              <a:t> </a:t>
+            </a:r>
+            <a:r>
+              <a:rPr lang="en-US" b="0" dirty="0">
+                <a:solidFill>
+                  <a:srgbClr val="FFFFFF"/>
+                </a:solidFill>
+                <a:effectLst/>
+                <a:latin typeface="Consolas" panose="020B0609020204030204" pitchFamily="49" charset="0"/>
+              </a:rPr>
+              <a:t>t6</a:t>
+            </a:r>
+            <a:r>
+              <a:rPr lang="en-US" b="0" dirty="0">
+                <a:solidFill>
+                  <a:srgbClr val="ABB2BF"/>
+                </a:solidFill>
+                <a:effectLst/>
+                <a:latin typeface="Consolas" panose="020B0609020204030204" pitchFamily="49" charset="0"/>
+              </a:rPr>
+              <a:t> t0 </a:t>
+            </a:r>
+            <a:r>
+              <a:rPr lang="en-US" b="0" dirty="0">
+                <a:solidFill>
+                  <a:srgbClr val="D19A66"/>
+                </a:solidFill>
+                <a:effectLst/>
+                <a:latin typeface="Consolas" panose="020B0609020204030204" pitchFamily="49" charset="0"/>
+              </a:rPr>
+              <a:t>3</a:t>
+            </a:r>
+          </a:p>
+          <a:p>
+            <a:r>
+              <a:rPr lang="en-US" b="0" dirty="0">
+                <a:solidFill>
+                  <a:srgbClr val="ABB2BF"/>
+                </a:solidFill>
+                <a:effectLst/>
+                <a:latin typeface="Consolas" panose="020B0609020204030204" pitchFamily="49" charset="0"/>
+              </a:rPr>
+              <a:t>006283B3 </a:t>
+            </a:r>
+            <a:r>
+              <a:rPr lang="en-US" b="0" dirty="0">
+                <a:solidFill>
+                  <a:srgbClr val="C678DD"/>
+                </a:solidFill>
+                <a:effectLst/>
+                <a:latin typeface="Consolas" panose="020B0609020204030204" pitchFamily="49" charset="0"/>
+              </a:rPr>
+              <a:t>add</a:t>
+            </a:r>
+            <a:r>
+              <a:rPr lang="en-US" b="0" dirty="0">
+                <a:solidFill>
+                  <a:srgbClr val="ABB2BF"/>
+                </a:solidFill>
+                <a:effectLst/>
+                <a:latin typeface="Consolas" panose="020B0609020204030204" pitchFamily="49" charset="0"/>
+              </a:rPr>
+              <a:t> </a:t>
+            </a:r>
+            <a:r>
+              <a:rPr lang="en-US" b="0" dirty="0">
+                <a:solidFill>
+                  <a:srgbClr val="FFFFFF"/>
+                </a:solidFill>
+                <a:effectLst/>
+                <a:latin typeface="Consolas" panose="020B0609020204030204" pitchFamily="49" charset="0"/>
+              </a:rPr>
+              <a:t>t7</a:t>
+            </a:r>
+            <a:r>
+              <a:rPr lang="en-US" b="0" dirty="0">
+                <a:solidFill>
+                  <a:srgbClr val="ABB2BF"/>
+                </a:solidFill>
+                <a:effectLst/>
+                <a:latin typeface="Consolas" panose="020B0609020204030204" pitchFamily="49" charset="0"/>
+              </a:rPr>
+              <a:t> t5 </a:t>
+            </a:r>
+            <a:r>
+              <a:rPr lang="en-US" b="0" dirty="0">
+                <a:solidFill>
+                  <a:srgbClr val="FFFFFF"/>
+                </a:solidFill>
+                <a:effectLst/>
+                <a:latin typeface="Consolas" panose="020B0609020204030204" pitchFamily="49" charset="0"/>
+              </a:rPr>
+              <a:t>t</a:t>
+            </a:r>
+          </a:p>
+          <a:p>
+            <a:r>
+              <a:rPr lang="en-US" b="0" dirty="0">
+                <a:solidFill>
+                  <a:srgbClr val="D19A66"/>
+                </a:solidFill>
+                <a:effectLst/>
+                <a:latin typeface="Consolas" panose="020B0609020204030204" pitchFamily="49" charset="0"/>
+              </a:rPr>
+              <a:t>00701123</a:t>
+            </a:r>
+            <a:r>
+              <a:rPr lang="en-US" b="0" dirty="0">
+                <a:solidFill>
+                  <a:srgbClr val="ABB2BF"/>
+                </a:solidFill>
+                <a:effectLst/>
+                <a:latin typeface="Consolas" panose="020B0609020204030204" pitchFamily="49" charset="0"/>
+              </a:rPr>
+              <a:t> </a:t>
+            </a:r>
+            <a:r>
+              <a:rPr lang="en-US" b="0" dirty="0" err="1">
+                <a:solidFill>
+                  <a:srgbClr val="C678DD"/>
+                </a:solidFill>
+                <a:effectLst/>
+                <a:latin typeface="Consolas" panose="020B0609020204030204" pitchFamily="49" charset="0"/>
+              </a:rPr>
+              <a:t>sh</a:t>
+            </a:r>
+            <a:r>
+              <a:rPr lang="en-US" b="0" dirty="0">
+                <a:solidFill>
+                  <a:srgbClr val="ABB2BF"/>
+                </a:solidFill>
+                <a:effectLst/>
+                <a:latin typeface="Consolas" panose="020B0609020204030204" pitchFamily="49" charset="0"/>
+              </a:rPr>
+              <a:t> </a:t>
+            </a:r>
+            <a:r>
+              <a:rPr lang="en-US" b="0" dirty="0">
+                <a:solidFill>
+                  <a:srgbClr val="FFFFFF"/>
+                </a:solidFill>
+                <a:effectLst/>
+                <a:latin typeface="Consolas" panose="020B0609020204030204" pitchFamily="49" charset="0"/>
+              </a:rPr>
+              <a:t>t7</a:t>
+            </a:r>
+            <a:r>
+              <a:rPr lang="en-US" b="0" dirty="0">
+                <a:solidFill>
+                  <a:srgbClr val="ABB2BF"/>
+                </a:solidFill>
+                <a:effectLst/>
+                <a:latin typeface="Consolas" panose="020B0609020204030204" pitchFamily="49" charset="0"/>
+              </a:rPr>
+              <a:t>, </a:t>
+            </a:r>
+            <a:r>
+              <a:rPr lang="en-US" b="0" dirty="0">
+                <a:solidFill>
+                  <a:srgbClr val="D19A66"/>
+                </a:solidFill>
+                <a:effectLst/>
+                <a:latin typeface="Consolas" panose="020B0609020204030204" pitchFamily="49" charset="0"/>
+              </a:rPr>
+              <a:t>2</a:t>
+            </a:r>
+            <a:r>
+              <a:rPr lang="en-US" b="0" dirty="0">
+                <a:solidFill>
+                  <a:srgbClr val="ABB2BF"/>
+                </a:solidFill>
+                <a:effectLst/>
+                <a:latin typeface="Consolas" panose="020B0609020204030204" pitchFamily="49" charset="0"/>
+              </a:rPr>
+              <a:t>(t0) </a:t>
+            </a:r>
+          </a:p>
+          <a:p>
+            <a:r>
+              <a:rPr lang="en-US" b="0" dirty="0">
+                <a:solidFill>
+                  <a:srgbClr val="D19A66"/>
+                </a:solidFill>
+                <a:effectLst/>
+                <a:latin typeface="Consolas" panose="020B0609020204030204" pitchFamily="49" charset="0"/>
+              </a:rPr>
+              <a:t>00202483</a:t>
+            </a:r>
+            <a:r>
+              <a:rPr lang="en-US" b="0" dirty="0">
+                <a:solidFill>
+                  <a:srgbClr val="ABB2BF"/>
+                </a:solidFill>
+                <a:effectLst/>
+                <a:latin typeface="Consolas" panose="020B0609020204030204" pitchFamily="49" charset="0"/>
+              </a:rPr>
+              <a:t> </a:t>
+            </a:r>
+            <a:r>
+              <a:rPr lang="en-US" b="0" dirty="0" err="1">
+                <a:solidFill>
+                  <a:srgbClr val="C678DD"/>
+                </a:solidFill>
+                <a:effectLst/>
+                <a:latin typeface="Consolas" panose="020B0609020204030204" pitchFamily="49" charset="0"/>
+              </a:rPr>
+              <a:t>lw</a:t>
+            </a:r>
+            <a:r>
+              <a:rPr lang="en-US" b="0" dirty="0">
+                <a:solidFill>
+                  <a:srgbClr val="ABB2BF"/>
+                </a:solidFill>
+                <a:effectLst/>
+                <a:latin typeface="Consolas" panose="020B0609020204030204" pitchFamily="49" charset="0"/>
+              </a:rPr>
+              <a:t> t9, </a:t>
+            </a:r>
+            <a:r>
+              <a:rPr lang="en-US" b="0" dirty="0">
+                <a:solidFill>
+                  <a:srgbClr val="D19A66"/>
+                </a:solidFill>
+                <a:effectLst/>
+                <a:latin typeface="Consolas" panose="020B0609020204030204" pitchFamily="49" charset="0"/>
+              </a:rPr>
+              <a:t>2</a:t>
+            </a:r>
+            <a:r>
+              <a:rPr lang="en-US" b="0" dirty="0">
+                <a:solidFill>
+                  <a:srgbClr val="ABB2BF"/>
+                </a:solidFill>
+                <a:effectLst/>
+                <a:latin typeface="Consolas" panose="020B0609020204030204" pitchFamily="49" charset="0"/>
+              </a:rPr>
+              <a:t>(t0)</a:t>
+            </a:r>
+          </a:p>
+        </p:txBody>
+      </p:sp>
+    </p:spTree>
+    <p:extLst>
+      <p:ext uri="{BB962C8B-B14F-4D97-AF65-F5344CB8AC3E}">
+        <p14:creationId xmlns:p14="http://schemas.microsoft.com/office/powerpoint/2010/main" val="3049009008"/>
+      </p:ext>
+    </p:extLst>
+  </p:cSld>
+  <p:clrMapOvr>
+    <a:masterClrMapping/>
+  </p:clrMapOvr>
+</p:sld>
+</file>
+
+<file path=ppt/slides/slide15.xml><?xml version="1.0" encoding="utf-8"?>
+<p:sld xmlns:a="http://schemas.openxmlformats.org/drawingml/2006/main" xmlns:r="http://schemas.openxmlformats.org/officeDocument/2006/relationships" xmlns:p="http://schemas.openxmlformats.org/presentationml/2006/main">
+  <p:cSld>
+    <p:spTree>
+      <p:nvGrpSpPr>
+        <p:cNvPr id="1" name=""/>
+        <p:cNvGrpSpPr/>
+        <p:nvPr/>
+      </p:nvGrpSpPr>
+      <p:grpSpPr>
+        <a:xfrm>
+          <a:off x="0" y="0"/>
+          <a:ext cx="0" cy="0"/>
+          <a:chOff x="0" y="0"/>
+          <a:chExt cx="0" cy="0"/>
+        </a:xfrm>
+      </p:grpSpPr>
+      <p:pic>
+        <p:nvPicPr>
+          <p:cNvPr id="3" name="Picture 2">
+            <a:extLst>
+              <a:ext uri="{FF2B5EF4-FFF2-40B4-BE49-F238E27FC236}">
+                <a16:creationId xmlns:a16="http://schemas.microsoft.com/office/drawing/2014/main" id="{0B5AA3A4-3060-BD5B-CA51-B0CBDB766E85}"/>
+              </a:ext>
+            </a:extLst>
+          </p:cNvPr>
+          <p:cNvPicPr>
+            <a:picLocks noChangeAspect="1"/>
+          </p:cNvPicPr>
+          <p:nvPr/>
+        </p:nvPicPr>
+        <p:blipFill>
+          <a:blip r:embed="rId2"/>
+          <a:stretch>
+            <a:fillRect/>
+          </a:stretch>
+        </p:blipFill>
+        <p:spPr>
+          <a:xfrm>
+            <a:off x="0" y="804020"/>
+            <a:ext cx="12192000" cy="5249959"/>
+          </a:xfrm>
+          <a:prstGeom prst="rect">
+            <a:avLst/>
+          </a:prstGeom>
+        </p:spPr>
+      </p:pic>
+    </p:spTree>
+    <p:extLst>
+      <p:ext uri="{BB962C8B-B14F-4D97-AF65-F5344CB8AC3E}">
+        <p14:creationId xmlns:p14="http://schemas.microsoft.com/office/powerpoint/2010/main" val="1026070821"/>
+      </p:ext>
+    </p:extLst>
+  </p:cSld>
+  <p:clrMapOvr>
+    <a:masterClrMapping/>
+  </p:clrMapOvr>
+</p:sld>
+</file>
+
+<file path=ppt/slides/slide16.xml><?xml version="1.0" encoding="utf-8"?>
+<p:sld xmlns:a="http://schemas.openxmlformats.org/drawingml/2006/main" xmlns:r="http://schemas.openxmlformats.org/officeDocument/2006/relationships" xmlns:p="http://schemas.openxmlformats.org/presentationml/2006/main">
+  <p:cSld>
+    <p:spTree>
+      <p:nvGrpSpPr>
+        <p:cNvPr id="1" name=""/>
+        <p:cNvGrpSpPr/>
+        <p:nvPr/>
+      </p:nvGrpSpPr>
+      <p:grpSpPr>
+        <a:xfrm>
+          <a:off x="0" y="0"/>
+          <a:ext cx="0" cy="0"/>
+          <a:chOff x="0" y="0"/>
+          <a:chExt cx="0" cy="0"/>
+        </a:xfrm>
+      </p:grpSpPr>
+      <p:sp>
+        <p:nvSpPr>
+          <p:cNvPr id="3" name="TextBox 2">
+            <a:extLst>
+              <a:ext uri="{FF2B5EF4-FFF2-40B4-BE49-F238E27FC236}">
+                <a16:creationId xmlns:a16="http://schemas.microsoft.com/office/drawing/2014/main" id="{057B8926-39D8-A7CD-4AFD-DBBC65BA9A01}"/>
+              </a:ext>
+            </a:extLst>
+          </p:cNvPr>
+          <p:cNvSpPr txBox="1"/>
+          <p:nvPr/>
+        </p:nvSpPr>
+        <p:spPr>
+          <a:xfrm>
+            <a:off x="3048778" y="1028343"/>
+            <a:ext cx="6097554" cy="3139321"/>
+          </a:xfrm>
+          <a:prstGeom prst="rect">
+            <a:avLst/>
+          </a:prstGeom>
+          <a:noFill/>
+        </p:spPr>
+        <p:txBody>
+          <a:bodyPr wrap="square">
+            <a:spAutoFit/>
+          </a:bodyPr>
+          <a:lstStyle/>
+          <a:p>
+            <a:r>
+              <a:rPr lang="en-US" dirty="0"/>
+              <a:t>@00000000</a:t>
+            </a:r>
+          </a:p>
+          <a:p>
+            <a:r>
+              <a:rPr lang="en-US" dirty="0"/>
+              <a:t>00: 00700383	</a:t>
+            </a:r>
+            <a:r>
+              <a:rPr lang="en-US" dirty="0" err="1"/>
+              <a:t>lb</a:t>
+            </a:r>
+            <a:r>
+              <a:rPr lang="en-US" dirty="0"/>
+              <a:t> x7 7(x0)</a:t>
+            </a:r>
+          </a:p>
+          <a:p>
+            <a:r>
+              <a:rPr lang="en-US" dirty="0"/>
+              <a:t>04: 06402a03	</a:t>
+            </a:r>
+            <a:r>
+              <a:rPr lang="en-US" dirty="0" err="1"/>
+              <a:t>lw</a:t>
+            </a:r>
+            <a:r>
+              <a:rPr lang="en-US" dirty="0"/>
+              <a:t> x20 100(x0)</a:t>
+            </a:r>
+          </a:p>
+          <a:p>
+            <a:r>
+              <a:rPr lang="en-US" dirty="0"/>
+              <a:t>08: 00839393	</a:t>
+            </a:r>
+            <a:r>
+              <a:rPr lang="en-US" dirty="0" err="1"/>
+              <a:t>slli</a:t>
+            </a:r>
+            <a:r>
+              <a:rPr lang="en-US" dirty="0"/>
+              <a:t> x7 </a:t>
+            </a:r>
+            <a:r>
+              <a:rPr lang="en-US" dirty="0" err="1"/>
+              <a:t>x7</a:t>
+            </a:r>
+            <a:r>
+              <a:rPr lang="en-US" dirty="0"/>
+              <a:t> 8</a:t>
+            </a:r>
+          </a:p>
+          <a:p>
+            <a:r>
+              <a:rPr lang="en-US" dirty="0"/>
+              <a:t>0c: 004a5693	</a:t>
+            </a:r>
+            <a:r>
+              <a:rPr lang="en-US" dirty="0" err="1"/>
+              <a:t>srli</a:t>
+            </a:r>
+            <a:r>
+              <a:rPr lang="en-US" dirty="0"/>
+              <a:t> x13 x20 4</a:t>
+            </a:r>
+          </a:p>
+          <a:p>
+            <a:r>
+              <a:rPr lang="en-US" dirty="0"/>
+              <a:t>10: 404a5713	</a:t>
+            </a:r>
+            <a:r>
+              <a:rPr lang="en-US" dirty="0" err="1"/>
+              <a:t>slli</a:t>
+            </a:r>
+            <a:r>
+              <a:rPr lang="en-US" dirty="0"/>
+              <a:t> x14 x20 4</a:t>
+            </a:r>
+          </a:p>
+          <a:p>
+            <a:r>
+              <a:rPr lang="en-US" dirty="0"/>
+              <a:t>14: 00700c63		</a:t>
+            </a:r>
+            <a:r>
+              <a:rPr lang="en-US" dirty="0" err="1"/>
+              <a:t>beq</a:t>
+            </a:r>
+            <a:r>
+              <a:rPr lang="en-US" dirty="0"/>
+              <a:t> x7 24</a:t>
+            </a:r>
+          </a:p>
+          <a:p>
+            <a:r>
+              <a:rPr lang="en-US" dirty="0"/>
+              <a:t>18: 0053c493		</a:t>
+            </a:r>
+            <a:r>
+              <a:rPr lang="en-US" dirty="0" err="1"/>
+              <a:t>xor</a:t>
+            </a:r>
+            <a:r>
+              <a:rPr lang="en-US" dirty="0"/>
+              <a:t> x9 x7 5</a:t>
+            </a:r>
+          </a:p>
+          <a:p>
+            <a:r>
+              <a:rPr lang="en-US" dirty="0"/>
+              <a:t>1c: 008000e7		</a:t>
+            </a:r>
+            <a:r>
+              <a:rPr lang="en-US" dirty="0" err="1"/>
+              <a:t>jalr</a:t>
+            </a:r>
+            <a:r>
+              <a:rPr lang="en-US" dirty="0"/>
+              <a:t> x1 12(x0) </a:t>
+            </a:r>
+          </a:p>
+          <a:p>
+            <a:r>
+              <a:rPr lang="en-US" dirty="0"/>
+              <a:t>20: 0053c493		</a:t>
+            </a:r>
+            <a:r>
+              <a:rPr lang="en-US" dirty="0" err="1"/>
+              <a:t>xori</a:t>
+            </a:r>
+            <a:r>
+              <a:rPr lang="en-US" dirty="0"/>
+              <a:t> x9 x7 5</a:t>
+            </a:r>
+          </a:p>
+          <a:p>
+            <a:endParaRPr lang="en-US" dirty="0"/>
+          </a:p>
+        </p:txBody>
+      </p:sp>
+    </p:spTree>
+    <p:extLst>
+      <p:ext uri="{BB962C8B-B14F-4D97-AF65-F5344CB8AC3E}">
+        <p14:creationId xmlns:p14="http://schemas.microsoft.com/office/powerpoint/2010/main" val="3802621063"/>
+      </p:ext>
+    </p:extLst>
+  </p:cSld>
+  <p:clrMapOvr>
+    <a:masterClrMapping/>
+  </p:clrMapOvr>
+</p:sld>
+</file>
+
+<file path=ppt/slides/slide17.xml><?xml version="1.0" encoding="utf-8"?>
+<p:sld xmlns:a="http://schemas.openxmlformats.org/drawingml/2006/main" xmlns:r="http://schemas.openxmlformats.org/officeDocument/2006/relationships" xmlns:p="http://schemas.openxmlformats.org/presentationml/2006/main">
+  <p:cSld>
+    <p:spTree>
+      <p:nvGrpSpPr>
+        <p:cNvPr id="1" name=""/>
+        <p:cNvGrpSpPr/>
+        <p:nvPr/>
+      </p:nvGrpSpPr>
+      <p:grpSpPr>
+        <a:xfrm>
+          <a:off x="0" y="0"/>
+          <a:ext cx="0" cy="0"/>
+          <a:chOff x="0" y="0"/>
+          <a:chExt cx="0" cy="0"/>
+        </a:xfrm>
+      </p:grpSpPr>
+      <p:pic>
+        <p:nvPicPr>
+          <p:cNvPr id="5" name="Picture 4">
+            <a:extLst>
+              <a:ext uri="{FF2B5EF4-FFF2-40B4-BE49-F238E27FC236}">
+                <a16:creationId xmlns:a16="http://schemas.microsoft.com/office/drawing/2014/main" id="{BCB3C17F-81BA-DAD6-2DC5-1EA0F2879C04}"/>
+              </a:ext>
+            </a:extLst>
+          </p:cNvPr>
+          <p:cNvPicPr>
+            <a:picLocks noChangeAspect="1"/>
+          </p:cNvPicPr>
+          <p:nvPr/>
+        </p:nvPicPr>
+        <p:blipFill>
+          <a:blip r:embed="rId2"/>
+          <a:stretch>
+            <a:fillRect/>
+          </a:stretch>
+        </p:blipFill>
+        <p:spPr>
+          <a:xfrm>
+            <a:off x="0" y="258992"/>
+            <a:ext cx="12192000" cy="6172065"/>
+          </a:xfrm>
+          <a:prstGeom prst="rect">
+            <a:avLst/>
+          </a:prstGeom>
+        </p:spPr>
+      </p:pic>
+    </p:spTree>
+    <p:extLst>
+      <p:ext uri="{BB962C8B-B14F-4D97-AF65-F5344CB8AC3E}">
+        <p14:creationId xmlns:p14="http://schemas.microsoft.com/office/powerpoint/2010/main" val="2946199848"/>
+      </p:ext>
+    </p:extLst>
+  </p:cSld>
+  <p:clrMapOvr>
+    <a:masterClrMapping/>
+  </p:clrMapOvr>
+</p:sld>
+</file>
+
+<file path=ppt/slides/slide18.xml><?xml version="1.0" encoding="utf-8"?>
+<p:sld xmlns:a="http://schemas.openxmlformats.org/drawingml/2006/main" xmlns:r="http://schemas.openxmlformats.org/officeDocument/2006/relationships" xmlns:p="http://schemas.openxmlformats.org/presentationml/2006/main">
+  <p:cSld>
+    <p:spTree>
+      <p:nvGrpSpPr>
+        <p:cNvPr id="1" name=""/>
+        <p:cNvGrpSpPr/>
+        <p:nvPr/>
+      </p:nvGrpSpPr>
+      <p:grpSpPr>
+        <a:xfrm>
+          <a:off x="0" y="0"/>
+          <a:ext cx="0" cy="0"/>
+          <a:chOff x="0" y="0"/>
+          <a:chExt cx="0" cy="0"/>
+        </a:xfrm>
+      </p:grpSpPr>
+      <p:pic>
+        <p:nvPicPr>
+          <p:cNvPr id="3" name="Picture 2">
+            <a:extLst>
+              <a:ext uri="{FF2B5EF4-FFF2-40B4-BE49-F238E27FC236}">
+                <a16:creationId xmlns:a16="http://schemas.microsoft.com/office/drawing/2014/main" id="{C399CBCF-485F-8000-2F11-36429E76A547}"/>
+              </a:ext>
+            </a:extLst>
+          </p:cNvPr>
+          <p:cNvPicPr>
+            <a:picLocks noChangeAspect="1"/>
+          </p:cNvPicPr>
+          <p:nvPr/>
+        </p:nvPicPr>
+        <p:blipFill>
+          <a:blip r:embed="rId2"/>
+          <a:stretch>
+            <a:fillRect/>
+          </a:stretch>
+        </p:blipFill>
+        <p:spPr>
+          <a:xfrm>
+            <a:off x="0" y="101837"/>
+            <a:ext cx="12192000" cy="6654325"/>
+          </a:xfrm>
+          <a:prstGeom prst="rect">
+            <a:avLst/>
+          </a:prstGeom>
+        </p:spPr>
+      </p:pic>
+    </p:spTree>
+    <p:extLst>
+      <p:ext uri="{BB962C8B-B14F-4D97-AF65-F5344CB8AC3E}">
+        <p14:creationId xmlns:p14="http://schemas.microsoft.com/office/powerpoint/2010/main" val="548458666"/>
+      </p:ext>
+    </p:extLst>
+  </p:cSld>
+  <p:clrMapOvr>
+    <a:masterClrMapping/>
+  </p:clrMapOvr>
+</p:sld>
+</file>
+
+<file path=ppt/slides/slide19.xml><?xml version="1.0" encoding="utf-8"?>
+<p:sld xmlns:a="http://schemas.openxmlformats.org/drawingml/2006/main" xmlns:r="http://schemas.openxmlformats.org/officeDocument/2006/relationships" xmlns:p="http://schemas.openxmlformats.org/presentationml/2006/main">
+  <p:cSld>
+    <p:spTree>
+      <p:nvGrpSpPr>
+        <p:cNvPr id="1" name=""/>
+        <p:cNvGrpSpPr/>
+        <p:nvPr/>
+      </p:nvGrpSpPr>
+      <p:grpSpPr>
+        <a:xfrm>
+          <a:off x="0" y="0"/>
+          <a:ext cx="0" cy="0"/>
+          <a:chOff x="0" y="0"/>
+          <a:chExt cx="0" cy="0"/>
+        </a:xfrm>
+      </p:grpSpPr>
+      <p:pic>
+        <p:nvPicPr>
+          <p:cNvPr id="3" name="Picture 2">
+            <a:extLst>
+              <a:ext uri="{FF2B5EF4-FFF2-40B4-BE49-F238E27FC236}">
+                <a16:creationId xmlns:a16="http://schemas.microsoft.com/office/drawing/2014/main" id="{AFEB93C9-431B-EE31-A21B-E0DA0815C91A}"/>
+              </a:ext>
+            </a:extLst>
+          </p:cNvPr>
+          <p:cNvPicPr>
+            <a:picLocks noChangeAspect="1"/>
+          </p:cNvPicPr>
+          <p:nvPr/>
+        </p:nvPicPr>
+        <p:blipFill>
+          <a:blip r:embed="rId2"/>
+          <a:stretch>
+            <a:fillRect/>
+          </a:stretch>
+        </p:blipFill>
+        <p:spPr>
+          <a:xfrm>
+            <a:off x="14795" y="0"/>
+            <a:ext cx="12162409" cy="6858000"/>
+          </a:xfrm>
+          <a:prstGeom prst="rect">
+            <a:avLst/>
+          </a:prstGeom>
+        </p:spPr>
+      </p:pic>
+    </p:spTree>
+    <p:extLst>
+      <p:ext uri="{BB962C8B-B14F-4D97-AF65-F5344CB8AC3E}">
+        <p14:creationId xmlns:p14="http://schemas.microsoft.com/office/powerpoint/2010/main" val="3911834619"/>
+      </p:ext>
+    </p:extLst>
+  </p:cSld>
+  <p:clrMapOvr>
+    <a:masterClrMapping/>
+  </p:clrMapOvr>
+</p:sld>
+</file>
+
 <file path=ppt/slides/slide2.xml><?xml version="1.0" encoding="utf-8"?>
 <p:sld xmlns:a="http://schemas.openxmlformats.org/drawingml/2006/main" xmlns:r="http://schemas.openxmlformats.org/officeDocument/2006/relationships" xmlns:p="http://schemas.openxmlformats.org/presentationml/2006/main">
   <p:cSld>
@@ -4361,6 +5416,968 @@
 </p:sld>
 </file>
 
+<file path=ppt/slides/slide20.xml><?xml version="1.0" encoding="utf-8"?>
+<p:sld xmlns:a="http://schemas.openxmlformats.org/drawingml/2006/main" xmlns:r="http://schemas.openxmlformats.org/officeDocument/2006/relationships" xmlns:p="http://schemas.openxmlformats.org/presentationml/2006/main">
+  <p:cSld>
+    <p:spTree>
+      <p:nvGrpSpPr>
+        <p:cNvPr id="1" name=""/>
+        <p:cNvGrpSpPr/>
+        <p:nvPr/>
+      </p:nvGrpSpPr>
+      <p:grpSpPr>
+        <a:xfrm>
+          <a:off x="0" y="0"/>
+          <a:ext cx="0" cy="0"/>
+          <a:chOff x="0" y="0"/>
+          <a:chExt cx="0" cy="0"/>
+        </a:xfrm>
+      </p:grpSpPr>
+      <p:pic>
+        <p:nvPicPr>
+          <p:cNvPr id="3" name="Picture 2">
+            <a:extLst>
+              <a:ext uri="{FF2B5EF4-FFF2-40B4-BE49-F238E27FC236}">
+                <a16:creationId xmlns:a16="http://schemas.microsoft.com/office/drawing/2014/main" id="{B3978011-8CAE-1EEB-041D-4A07458E60F7}"/>
+              </a:ext>
+            </a:extLst>
+          </p:cNvPr>
+          <p:cNvPicPr>
+            <a:picLocks noChangeAspect="1"/>
+          </p:cNvPicPr>
+          <p:nvPr/>
+        </p:nvPicPr>
+        <p:blipFill>
+          <a:blip r:embed="rId2"/>
+          <a:stretch>
+            <a:fillRect/>
+          </a:stretch>
+        </p:blipFill>
+        <p:spPr>
+          <a:xfrm>
+            <a:off x="0" y="69754"/>
+            <a:ext cx="12192000" cy="6718492"/>
+          </a:xfrm>
+          <a:prstGeom prst="rect">
+            <a:avLst/>
+          </a:prstGeom>
+        </p:spPr>
+      </p:pic>
+    </p:spTree>
+    <p:extLst>
+      <p:ext uri="{BB962C8B-B14F-4D97-AF65-F5344CB8AC3E}">
+        <p14:creationId xmlns:p14="http://schemas.microsoft.com/office/powerpoint/2010/main" val="544192884"/>
+      </p:ext>
+    </p:extLst>
+  </p:cSld>
+  <p:clrMapOvr>
+    <a:masterClrMapping/>
+  </p:clrMapOvr>
+</p:sld>
+</file>
+
+<file path=ppt/slides/slide21.xml><?xml version="1.0" encoding="utf-8"?>
+<p:sld xmlns:a="http://schemas.openxmlformats.org/drawingml/2006/main" xmlns:r="http://schemas.openxmlformats.org/officeDocument/2006/relationships" xmlns:p="http://schemas.openxmlformats.org/presentationml/2006/main">
+  <p:cSld>
+    <p:spTree>
+      <p:nvGrpSpPr>
+        <p:cNvPr id="1" name=""/>
+        <p:cNvGrpSpPr/>
+        <p:nvPr/>
+      </p:nvGrpSpPr>
+      <p:grpSpPr>
+        <a:xfrm>
+          <a:off x="0" y="0"/>
+          <a:ext cx="0" cy="0"/>
+          <a:chOff x="0" y="0"/>
+          <a:chExt cx="0" cy="0"/>
+        </a:xfrm>
+      </p:grpSpPr>
+      <p:pic>
+        <p:nvPicPr>
+          <p:cNvPr id="3" name="Picture 2">
+            <a:extLst>
+              <a:ext uri="{FF2B5EF4-FFF2-40B4-BE49-F238E27FC236}">
+                <a16:creationId xmlns:a16="http://schemas.microsoft.com/office/drawing/2014/main" id="{26413084-A8D0-0164-4AC8-E04B9BDA4FD1}"/>
+              </a:ext>
+            </a:extLst>
+          </p:cNvPr>
+          <p:cNvPicPr>
+            <a:picLocks noChangeAspect="1"/>
+          </p:cNvPicPr>
+          <p:nvPr/>
+        </p:nvPicPr>
+        <p:blipFill>
+          <a:blip r:embed="rId2"/>
+          <a:stretch>
+            <a:fillRect/>
+          </a:stretch>
+        </p:blipFill>
+        <p:spPr>
+          <a:xfrm>
+            <a:off x="78105" y="0"/>
+            <a:ext cx="12035790" cy="6858000"/>
+          </a:xfrm>
+          <a:prstGeom prst="rect">
+            <a:avLst/>
+          </a:prstGeom>
+        </p:spPr>
+      </p:pic>
+    </p:spTree>
+    <p:extLst>
+      <p:ext uri="{BB962C8B-B14F-4D97-AF65-F5344CB8AC3E}">
+        <p14:creationId xmlns:p14="http://schemas.microsoft.com/office/powerpoint/2010/main" val="3827431765"/>
+      </p:ext>
+    </p:extLst>
+  </p:cSld>
+  <p:clrMapOvr>
+    <a:masterClrMapping/>
+  </p:clrMapOvr>
+</p:sld>
+</file>
+
+<file path=ppt/slides/slide22.xml><?xml version="1.0" encoding="utf-8"?>
+<p:sld xmlns:a="http://schemas.openxmlformats.org/drawingml/2006/main" xmlns:r="http://schemas.openxmlformats.org/officeDocument/2006/relationships" xmlns:p="http://schemas.openxmlformats.org/presentationml/2006/main">
+  <p:cSld>
+    <p:spTree>
+      <p:nvGrpSpPr>
+        <p:cNvPr id="1" name=""/>
+        <p:cNvGrpSpPr/>
+        <p:nvPr/>
+      </p:nvGrpSpPr>
+      <p:grpSpPr>
+        <a:xfrm>
+          <a:off x="0" y="0"/>
+          <a:ext cx="0" cy="0"/>
+          <a:chOff x="0" y="0"/>
+          <a:chExt cx="0" cy="0"/>
+        </a:xfrm>
+      </p:grpSpPr>
+      <p:sp>
+        <p:nvSpPr>
+          <p:cNvPr id="3" name="TextBox 2">
+            <a:extLst>
+              <a:ext uri="{FF2B5EF4-FFF2-40B4-BE49-F238E27FC236}">
+                <a16:creationId xmlns:a16="http://schemas.microsoft.com/office/drawing/2014/main" id="{B827F6F8-38C5-86F4-A963-2CB5BD4FF400}"/>
+              </a:ext>
+            </a:extLst>
+          </p:cNvPr>
+          <p:cNvSpPr txBox="1"/>
+          <p:nvPr/>
+        </p:nvSpPr>
+        <p:spPr>
+          <a:xfrm>
+            <a:off x="3048778" y="751344"/>
+            <a:ext cx="6097554" cy="3970318"/>
+          </a:xfrm>
+          <a:prstGeom prst="rect">
+            <a:avLst/>
+          </a:prstGeom>
+          <a:noFill/>
+        </p:spPr>
+        <p:txBody>
+          <a:bodyPr wrap="square">
+            <a:spAutoFit/>
+          </a:bodyPr>
+          <a:lstStyle/>
+          <a:p>
+            <a:r>
+              <a:rPr lang="fr-FR" b="0" dirty="0">
+                <a:solidFill>
+                  <a:srgbClr val="ABB2BF"/>
+                </a:solidFill>
+                <a:effectLst/>
+                <a:latin typeface="Consolas" panose="020B0609020204030204" pitchFamily="49" charset="0"/>
+              </a:rPr>
+              <a:t>@</a:t>
+            </a:r>
+            <a:r>
+              <a:rPr lang="fr-FR" b="0" dirty="0">
+                <a:solidFill>
+                  <a:srgbClr val="D19A66"/>
+                </a:solidFill>
+                <a:effectLst/>
+                <a:latin typeface="Consolas" panose="020B0609020204030204" pitchFamily="49" charset="0"/>
+              </a:rPr>
+              <a:t>00000000</a:t>
+            </a:r>
+            <a:endParaRPr lang="fr-FR" b="0" dirty="0">
+              <a:solidFill>
+                <a:srgbClr val="ABB2BF"/>
+              </a:solidFill>
+              <a:effectLst/>
+              <a:latin typeface="Consolas" panose="020B0609020204030204" pitchFamily="49" charset="0"/>
+            </a:endParaRPr>
+          </a:p>
+          <a:p>
+            <a:r>
+              <a:rPr lang="fr-FR" b="0" dirty="0">
+                <a:solidFill>
+                  <a:srgbClr val="D19A66"/>
+                </a:solidFill>
+                <a:effectLst/>
+                <a:latin typeface="Consolas" panose="020B0609020204030204" pitchFamily="49" charset="0"/>
+              </a:rPr>
+              <a:t>00500293</a:t>
+            </a:r>
+            <a:r>
+              <a:rPr lang="fr-FR" b="0" dirty="0">
+                <a:solidFill>
+                  <a:srgbClr val="ABB2BF"/>
+                </a:solidFill>
+                <a:effectLst/>
+                <a:latin typeface="Consolas" panose="020B0609020204030204" pitchFamily="49" charset="0"/>
+              </a:rPr>
+              <a:t> </a:t>
+            </a:r>
+            <a:r>
+              <a:rPr lang="fr-FR" b="0" dirty="0" err="1">
+                <a:solidFill>
+                  <a:srgbClr val="ABB2BF"/>
+                </a:solidFill>
+                <a:effectLst/>
+                <a:latin typeface="Consolas" panose="020B0609020204030204" pitchFamily="49" charset="0"/>
+              </a:rPr>
+              <a:t>Addi</a:t>
+            </a:r>
+            <a:r>
+              <a:rPr lang="fr-FR" b="0" dirty="0">
+                <a:solidFill>
+                  <a:srgbClr val="ABB2BF"/>
+                </a:solidFill>
+                <a:effectLst/>
+                <a:latin typeface="Consolas" panose="020B0609020204030204" pitchFamily="49" charset="0"/>
+              </a:rPr>
+              <a:t> t5 t0 </a:t>
+            </a:r>
+            <a:r>
+              <a:rPr lang="fr-FR" b="0" dirty="0">
+                <a:solidFill>
+                  <a:srgbClr val="D19A66"/>
+                </a:solidFill>
+                <a:effectLst/>
+                <a:latin typeface="Consolas" panose="020B0609020204030204" pitchFamily="49" charset="0"/>
+              </a:rPr>
+              <a:t>5</a:t>
+            </a:r>
+            <a:endParaRPr lang="fr-FR" b="0" dirty="0">
+              <a:solidFill>
+                <a:srgbClr val="ABB2BF"/>
+              </a:solidFill>
+              <a:effectLst/>
+              <a:latin typeface="Consolas" panose="020B0609020204030204" pitchFamily="49" charset="0"/>
+            </a:endParaRPr>
+          </a:p>
+          <a:p>
+            <a:r>
+              <a:rPr lang="fr-FR" b="0" dirty="0">
+                <a:solidFill>
+                  <a:srgbClr val="D19A66"/>
+                </a:solidFill>
+                <a:effectLst/>
+                <a:latin typeface="Consolas" panose="020B0609020204030204" pitchFamily="49" charset="0"/>
+              </a:rPr>
+              <a:t>00300313</a:t>
+            </a:r>
+            <a:r>
+              <a:rPr lang="fr-FR" b="0" dirty="0">
+                <a:solidFill>
+                  <a:srgbClr val="ABB2BF"/>
+                </a:solidFill>
+                <a:effectLst/>
+                <a:latin typeface="Consolas" panose="020B0609020204030204" pitchFamily="49" charset="0"/>
+              </a:rPr>
+              <a:t> </a:t>
+            </a:r>
+            <a:r>
+              <a:rPr lang="fr-FR" b="0" dirty="0" err="1">
+                <a:solidFill>
+                  <a:srgbClr val="C678DD"/>
+                </a:solidFill>
+                <a:effectLst/>
+                <a:latin typeface="Consolas" panose="020B0609020204030204" pitchFamily="49" charset="0"/>
+              </a:rPr>
+              <a:t>addi</a:t>
+            </a:r>
+            <a:r>
+              <a:rPr lang="fr-FR" b="0" dirty="0">
+                <a:solidFill>
+                  <a:srgbClr val="ABB2BF"/>
+                </a:solidFill>
+                <a:effectLst/>
+                <a:latin typeface="Consolas" panose="020B0609020204030204" pitchFamily="49" charset="0"/>
+              </a:rPr>
+              <a:t> t6 t0 </a:t>
+            </a:r>
+            <a:r>
+              <a:rPr lang="fr-FR" b="0" dirty="0">
+                <a:solidFill>
+                  <a:srgbClr val="D19A66"/>
+                </a:solidFill>
+                <a:effectLst/>
+                <a:latin typeface="Consolas" panose="020B0609020204030204" pitchFamily="49" charset="0"/>
+              </a:rPr>
+              <a:t>3</a:t>
+            </a:r>
+            <a:endParaRPr lang="fr-FR" b="0" dirty="0">
+              <a:solidFill>
+                <a:srgbClr val="ABB2BF"/>
+              </a:solidFill>
+              <a:effectLst/>
+              <a:latin typeface="Consolas" panose="020B0609020204030204" pitchFamily="49" charset="0"/>
+            </a:endParaRPr>
+          </a:p>
+          <a:p>
+            <a:r>
+              <a:rPr lang="fr-FR" b="0" dirty="0">
+                <a:solidFill>
+                  <a:srgbClr val="ABB2BF"/>
+                </a:solidFill>
+                <a:effectLst/>
+                <a:latin typeface="Consolas" panose="020B0609020204030204" pitchFamily="49" charset="0"/>
+              </a:rPr>
+              <a:t>0000a5b7 </a:t>
+            </a:r>
+            <a:r>
+              <a:rPr lang="fr-FR" b="0" dirty="0">
+                <a:solidFill>
+                  <a:srgbClr val="C678DD"/>
+                </a:solidFill>
+                <a:effectLst/>
+                <a:latin typeface="Consolas" panose="020B0609020204030204" pitchFamily="49" charset="0"/>
+              </a:rPr>
+              <a:t>lui</a:t>
+            </a:r>
+            <a:r>
+              <a:rPr lang="fr-FR" b="0" dirty="0">
+                <a:solidFill>
+                  <a:srgbClr val="ABB2BF"/>
+                </a:solidFill>
+                <a:effectLst/>
+                <a:latin typeface="Consolas" panose="020B0609020204030204" pitchFamily="49" charset="0"/>
+              </a:rPr>
+              <a:t> t11 </a:t>
+            </a:r>
+            <a:r>
+              <a:rPr lang="fr-FR" b="0" dirty="0">
+                <a:solidFill>
+                  <a:srgbClr val="D19A66"/>
+                </a:solidFill>
+                <a:effectLst/>
+                <a:latin typeface="Consolas" panose="020B0609020204030204" pitchFamily="49" charset="0"/>
+              </a:rPr>
+              <a:t>10</a:t>
+            </a:r>
+          </a:p>
+          <a:p>
+            <a:r>
+              <a:rPr lang="fr-FR" b="0" dirty="0">
+                <a:solidFill>
+                  <a:srgbClr val="ABB2BF"/>
+                </a:solidFill>
+                <a:effectLst/>
+                <a:latin typeface="Consolas" panose="020B0609020204030204" pitchFamily="49" charset="0"/>
+              </a:rPr>
+              <a:t>006283B3 </a:t>
+            </a:r>
+            <a:r>
+              <a:rPr lang="fr-FR" b="0" dirty="0" err="1">
+                <a:solidFill>
+                  <a:srgbClr val="C678DD"/>
+                </a:solidFill>
+                <a:effectLst/>
+                <a:latin typeface="Consolas" panose="020B0609020204030204" pitchFamily="49" charset="0"/>
+              </a:rPr>
+              <a:t>add</a:t>
+            </a:r>
+            <a:r>
+              <a:rPr lang="fr-FR" dirty="0">
+                <a:solidFill>
+                  <a:srgbClr val="ABB2BF"/>
+                </a:solidFill>
+                <a:latin typeface="Consolas" panose="020B0609020204030204" pitchFamily="49" charset="0"/>
+              </a:rPr>
+              <a:t> t7,</a:t>
+            </a:r>
+            <a:r>
+              <a:rPr lang="fr-FR" b="0" dirty="0">
+                <a:solidFill>
+                  <a:srgbClr val="ABB2BF"/>
+                </a:solidFill>
+                <a:effectLst/>
+                <a:latin typeface="Consolas" panose="020B0609020204030204" pitchFamily="49" charset="0"/>
+              </a:rPr>
+              <a:t>t5,t6</a:t>
+            </a:r>
+            <a:endParaRPr lang="fr-FR" dirty="0">
+              <a:solidFill>
+                <a:srgbClr val="ABB2BF"/>
+              </a:solidFill>
+              <a:latin typeface="Consolas" panose="020B0609020204030204" pitchFamily="49" charset="0"/>
+            </a:endParaRPr>
+          </a:p>
+          <a:p>
+            <a:r>
+              <a:rPr lang="fr-FR" b="0" dirty="0">
+                <a:solidFill>
+                  <a:srgbClr val="D19A66"/>
+                </a:solidFill>
+                <a:effectLst/>
+                <a:latin typeface="Consolas" panose="020B0609020204030204" pitchFamily="49" charset="0"/>
+              </a:rPr>
+              <a:t>00701123</a:t>
+            </a:r>
+            <a:r>
+              <a:rPr lang="fr-FR" b="0" dirty="0">
+                <a:solidFill>
+                  <a:srgbClr val="ABB2BF"/>
+                </a:solidFill>
+                <a:effectLst/>
+                <a:latin typeface="Consolas" panose="020B0609020204030204" pitchFamily="49" charset="0"/>
+              </a:rPr>
+              <a:t> </a:t>
+            </a:r>
+            <a:r>
+              <a:rPr lang="fr-FR" b="0" dirty="0">
+                <a:solidFill>
+                  <a:srgbClr val="C678DD"/>
+                </a:solidFill>
+                <a:effectLst/>
+                <a:latin typeface="Consolas" panose="020B0609020204030204" pitchFamily="49" charset="0"/>
+              </a:rPr>
+              <a:t>sh</a:t>
+            </a:r>
+            <a:r>
+              <a:rPr lang="fr-FR" b="0" dirty="0">
+                <a:solidFill>
+                  <a:srgbClr val="ABB2BF"/>
+                </a:solidFill>
+                <a:effectLst/>
+                <a:latin typeface="Consolas" panose="020B0609020204030204" pitchFamily="49" charset="0"/>
+              </a:rPr>
+              <a:t> </a:t>
+            </a:r>
+            <a:r>
+              <a:rPr lang="fr-FR" b="0" dirty="0">
+                <a:solidFill>
+                  <a:srgbClr val="FFFFFF"/>
+                </a:solidFill>
+                <a:effectLst/>
+                <a:latin typeface="Consolas" panose="020B0609020204030204" pitchFamily="49" charset="0"/>
+              </a:rPr>
+              <a:t>t7</a:t>
+            </a:r>
+            <a:r>
+              <a:rPr lang="fr-FR" b="0" dirty="0">
+                <a:solidFill>
+                  <a:srgbClr val="ABB2BF"/>
+                </a:solidFill>
+                <a:effectLst/>
+                <a:latin typeface="Consolas" panose="020B0609020204030204" pitchFamily="49" charset="0"/>
+              </a:rPr>
+              <a:t>, </a:t>
+            </a:r>
+            <a:r>
+              <a:rPr lang="fr-FR" b="0" dirty="0">
+                <a:solidFill>
+                  <a:srgbClr val="D19A66"/>
+                </a:solidFill>
+                <a:effectLst/>
+                <a:latin typeface="Consolas" panose="020B0609020204030204" pitchFamily="49" charset="0"/>
+              </a:rPr>
+              <a:t>2</a:t>
+            </a:r>
+            <a:r>
+              <a:rPr lang="fr-FR" b="0" dirty="0">
+                <a:solidFill>
+                  <a:srgbClr val="ABB2BF"/>
+                </a:solidFill>
+                <a:effectLst/>
+                <a:latin typeface="Consolas" panose="020B0609020204030204" pitchFamily="49" charset="0"/>
+              </a:rPr>
+              <a:t>(t0)</a:t>
+            </a:r>
+          </a:p>
+          <a:p>
+            <a:r>
+              <a:rPr lang="fr-FR" b="0" dirty="0">
+                <a:solidFill>
+                  <a:srgbClr val="D19A66"/>
+                </a:solidFill>
+                <a:effectLst/>
+                <a:latin typeface="Consolas" panose="020B0609020204030204" pitchFamily="49" charset="0"/>
+              </a:rPr>
+              <a:t>00702223</a:t>
+            </a:r>
+            <a:r>
+              <a:rPr lang="fr-FR" b="0" dirty="0">
+                <a:solidFill>
+                  <a:srgbClr val="ABB2BF"/>
+                </a:solidFill>
+                <a:effectLst/>
+                <a:latin typeface="Consolas" panose="020B0609020204030204" pitchFamily="49" charset="0"/>
+              </a:rPr>
+              <a:t> </a:t>
+            </a:r>
+            <a:r>
+              <a:rPr lang="fr-FR" b="0" dirty="0" err="1">
+                <a:solidFill>
+                  <a:srgbClr val="C678DD"/>
+                </a:solidFill>
+                <a:effectLst/>
+                <a:latin typeface="Consolas" panose="020B0609020204030204" pitchFamily="49" charset="0"/>
+              </a:rPr>
+              <a:t>sw</a:t>
+            </a:r>
+            <a:r>
+              <a:rPr lang="fr-FR" b="0" dirty="0">
+                <a:solidFill>
+                  <a:srgbClr val="ABB2BF"/>
+                </a:solidFill>
+                <a:effectLst/>
+                <a:latin typeface="Consolas" panose="020B0609020204030204" pitchFamily="49" charset="0"/>
+              </a:rPr>
+              <a:t> </a:t>
+            </a:r>
+            <a:r>
+              <a:rPr lang="fr-FR" b="0" dirty="0">
+                <a:solidFill>
+                  <a:srgbClr val="FFFFFF"/>
+                </a:solidFill>
+                <a:effectLst/>
+                <a:latin typeface="Consolas" panose="020B0609020204030204" pitchFamily="49" charset="0"/>
+              </a:rPr>
+              <a:t>t7</a:t>
+            </a:r>
+            <a:r>
+              <a:rPr lang="fr-FR" b="0" dirty="0">
+                <a:solidFill>
+                  <a:srgbClr val="ABB2BF"/>
+                </a:solidFill>
+                <a:effectLst/>
+                <a:latin typeface="Consolas" panose="020B0609020204030204" pitchFamily="49" charset="0"/>
+              </a:rPr>
+              <a:t>,</a:t>
+            </a:r>
+            <a:r>
+              <a:rPr lang="fr-FR" b="0" dirty="0">
+                <a:solidFill>
+                  <a:srgbClr val="D19A66"/>
+                </a:solidFill>
+                <a:effectLst/>
+                <a:latin typeface="Consolas" panose="020B0609020204030204" pitchFamily="49" charset="0"/>
+              </a:rPr>
+              <a:t>4</a:t>
+            </a:r>
+            <a:r>
+              <a:rPr lang="fr-FR" b="0" dirty="0">
+                <a:solidFill>
+                  <a:srgbClr val="ABB2BF"/>
+                </a:solidFill>
+                <a:effectLst/>
+                <a:latin typeface="Consolas" panose="020B0609020204030204" pitchFamily="49" charset="0"/>
+              </a:rPr>
+              <a:t>(</a:t>
+            </a:r>
+            <a:r>
+              <a:rPr lang="fr-FR" b="0" dirty="0">
+                <a:solidFill>
+                  <a:srgbClr val="D19A66"/>
+                </a:solidFill>
+                <a:effectLst/>
+                <a:latin typeface="Consolas" panose="020B0609020204030204" pitchFamily="49" charset="0"/>
+              </a:rPr>
+              <a:t>0</a:t>
+            </a:r>
+            <a:r>
+              <a:rPr lang="fr-FR" b="0" dirty="0">
+                <a:solidFill>
+                  <a:srgbClr val="ABB2BF"/>
+                </a:solidFill>
+                <a:effectLst/>
+                <a:latin typeface="Consolas" panose="020B0609020204030204" pitchFamily="49" charset="0"/>
+              </a:rPr>
+              <a:t>)</a:t>
+            </a:r>
+          </a:p>
+          <a:p>
+            <a:r>
+              <a:rPr lang="fr-FR" b="0" dirty="0">
+                <a:solidFill>
+                  <a:srgbClr val="D19A66"/>
+                </a:solidFill>
+                <a:effectLst/>
+                <a:latin typeface="Consolas" panose="020B0609020204030204" pitchFamily="49" charset="0"/>
+              </a:rPr>
+              <a:t>00202483</a:t>
+            </a:r>
+            <a:r>
+              <a:rPr lang="fr-FR" b="0" dirty="0">
+                <a:solidFill>
+                  <a:srgbClr val="ABB2BF"/>
+                </a:solidFill>
+                <a:effectLst/>
+                <a:latin typeface="Consolas" panose="020B0609020204030204" pitchFamily="49" charset="0"/>
+              </a:rPr>
+              <a:t> </a:t>
+            </a:r>
+            <a:r>
+              <a:rPr lang="fr-FR" b="0" dirty="0" err="1">
+                <a:solidFill>
+                  <a:srgbClr val="C678DD"/>
+                </a:solidFill>
+                <a:effectLst/>
+                <a:latin typeface="Consolas" panose="020B0609020204030204" pitchFamily="49" charset="0"/>
+              </a:rPr>
+              <a:t>lw</a:t>
+            </a:r>
+            <a:r>
+              <a:rPr lang="fr-FR" b="0" dirty="0">
+                <a:solidFill>
+                  <a:srgbClr val="ABB2BF"/>
+                </a:solidFill>
+                <a:effectLst/>
+                <a:latin typeface="Consolas" panose="020B0609020204030204" pitchFamily="49" charset="0"/>
+              </a:rPr>
+              <a:t> t9, </a:t>
+            </a:r>
+            <a:r>
+              <a:rPr lang="fr-FR" b="0" dirty="0">
+                <a:solidFill>
+                  <a:srgbClr val="D19A66"/>
+                </a:solidFill>
+                <a:effectLst/>
+                <a:latin typeface="Consolas" panose="020B0609020204030204" pitchFamily="49" charset="0"/>
+              </a:rPr>
+              <a:t>2</a:t>
+            </a:r>
+            <a:r>
+              <a:rPr lang="fr-FR" b="0" dirty="0">
+                <a:solidFill>
+                  <a:srgbClr val="ABB2BF"/>
+                </a:solidFill>
+                <a:effectLst/>
+                <a:latin typeface="Consolas" panose="020B0609020204030204" pitchFamily="49" charset="0"/>
+              </a:rPr>
+              <a:t>(t0)</a:t>
+            </a:r>
+          </a:p>
+          <a:p>
+            <a:r>
+              <a:rPr lang="fr-FR" b="0" dirty="0">
+                <a:solidFill>
+                  <a:srgbClr val="D19A66"/>
+                </a:solidFill>
+                <a:effectLst/>
+                <a:latin typeface="Consolas" panose="020B0609020204030204" pitchFamily="49" charset="0"/>
+              </a:rPr>
+              <a:t>00402503</a:t>
+            </a:r>
+            <a:r>
+              <a:rPr lang="fr-FR" b="0" dirty="0">
+                <a:solidFill>
+                  <a:srgbClr val="ABB2BF"/>
+                </a:solidFill>
+                <a:effectLst/>
+                <a:latin typeface="Consolas" panose="020B0609020204030204" pitchFamily="49" charset="0"/>
+              </a:rPr>
+              <a:t> </a:t>
+            </a:r>
+            <a:r>
+              <a:rPr lang="fr-FR" b="0" dirty="0" err="1">
+                <a:solidFill>
+                  <a:srgbClr val="C678DD"/>
+                </a:solidFill>
+                <a:effectLst/>
+                <a:latin typeface="Consolas" panose="020B0609020204030204" pitchFamily="49" charset="0"/>
+              </a:rPr>
+              <a:t>lw</a:t>
+            </a:r>
+            <a:r>
+              <a:rPr lang="fr-FR" b="0" dirty="0">
+                <a:solidFill>
+                  <a:srgbClr val="ABB2BF"/>
+                </a:solidFill>
+                <a:effectLst/>
+                <a:latin typeface="Consolas" panose="020B0609020204030204" pitchFamily="49" charset="0"/>
+              </a:rPr>
+              <a:t> t10,</a:t>
+            </a:r>
+            <a:r>
+              <a:rPr lang="fr-FR" b="0" dirty="0">
+                <a:solidFill>
+                  <a:srgbClr val="D19A66"/>
+                </a:solidFill>
+                <a:effectLst/>
+                <a:latin typeface="Consolas" panose="020B0609020204030204" pitchFamily="49" charset="0"/>
+              </a:rPr>
+              <a:t>4</a:t>
+            </a:r>
+            <a:r>
+              <a:rPr lang="fr-FR" b="0" dirty="0">
+                <a:solidFill>
+                  <a:srgbClr val="ABB2BF"/>
+                </a:solidFill>
+                <a:effectLst/>
+                <a:latin typeface="Consolas" panose="020B0609020204030204" pitchFamily="49" charset="0"/>
+              </a:rPr>
+              <a:t>(t0) </a:t>
+            </a:r>
+          </a:p>
+          <a:p>
+            <a:r>
+              <a:rPr lang="fr-FR" b="0" dirty="0">
+                <a:solidFill>
+                  <a:srgbClr val="ABB2BF"/>
+                </a:solidFill>
+                <a:effectLst/>
+                <a:latin typeface="Consolas" panose="020B0609020204030204" pitchFamily="49" charset="0"/>
+              </a:rPr>
+              <a:t>000002ef JAL t5,</a:t>
+            </a:r>
+            <a:r>
+              <a:rPr lang="fr-FR" b="0" dirty="0">
+                <a:solidFill>
+                  <a:srgbClr val="D19A66"/>
+                </a:solidFill>
+                <a:effectLst/>
+                <a:latin typeface="Consolas" panose="020B0609020204030204" pitchFamily="49" charset="0"/>
+              </a:rPr>
+              <a:t>0</a:t>
+            </a:r>
+            <a:r>
+              <a:rPr lang="fr-FR" b="0" dirty="0">
+                <a:solidFill>
+                  <a:srgbClr val="ABB2BF"/>
+                </a:solidFill>
+                <a:effectLst/>
+                <a:latin typeface="Consolas" panose="020B0609020204030204" pitchFamily="49" charset="0"/>
+              </a:rPr>
+              <a:t> i</a:t>
+            </a:r>
+            <a:r>
+              <a:rPr lang="fr-FR" b="0" dirty="0">
+                <a:solidFill>
+                  <a:srgbClr val="C678DD"/>
+                </a:solidFill>
+                <a:effectLst/>
+                <a:latin typeface="Consolas" panose="020B0609020204030204" pitchFamily="49" charset="0"/>
+              </a:rPr>
+              <a:t>.</a:t>
+            </a:r>
+            <a:r>
+              <a:rPr lang="fr-FR" b="0" dirty="0">
+                <a:solidFill>
+                  <a:srgbClr val="ABB2BF"/>
+                </a:solidFill>
+                <a:effectLst/>
+                <a:latin typeface="Consolas" panose="020B0609020204030204" pitchFamily="49" charset="0"/>
+              </a:rPr>
+              <a:t>e. </a:t>
+            </a:r>
+            <a:r>
+              <a:rPr lang="fr-FR" b="0" dirty="0" err="1">
+                <a:solidFill>
+                  <a:srgbClr val="C678DD"/>
+                </a:solidFill>
+                <a:effectLst/>
+                <a:latin typeface="Consolas" panose="020B0609020204030204" pitchFamily="49" charset="0"/>
+              </a:rPr>
+              <a:t>loop</a:t>
+            </a:r>
+            <a:r>
+              <a:rPr lang="fr-FR" b="0" dirty="0">
+                <a:solidFill>
+                  <a:srgbClr val="ABB2BF"/>
+                </a:solidFill>
+                <a:effectLst/>
+                <a:latin typeface="Consolas" panose="020B0609020204030204" pitchFamily="49" charset="0"/>
+              </a:rPr>
+              <a:t> to self</a:t>
+            </a:r>
+          </a:p>
+          <a:p>
+            <a:r>
+              <a:rPr lang="fr-FR" b="0" dirty="0">
+                <a:solidFill>
+                  <a:srgbClr val="D19A66"/>
+                </a:solidFill>
+                <a:effectLst/>
+                <a:latin typeface="Consolas" panose="020B0609020204030204" pitchFamily="49" charset="0"/>
+              </a:rPr>
+              <a:t>00500293</a:t>
+            </a:r>
+            <a:r>
+              <a:rPr lang="fr-FR" b="0" dirty="0">
+                <a:solidFill>
+                  <a:srgbClr val="ABB2BF"/>
+                </a:solidFill>
+                <a:effectLst/>
+                <a:latin typeface="Consolas" panose="020B0609020204030204" pitchFamily="49" charset="0"/>
+              </a:rPr>
+              <a:t> </a:t>
+            </a:r>
+            <a:r>
+              <a:rPr lang="fr-FR" b="0" dirty="0" err="1">
+                <a:solidFill>
+                  <a:srgbClr val="ABB2BF"/>
+                </a:solidFill>
+                <a:effectLst/>
+                <a:latin typeface="Consolas" panose="020B0609020204030204" pitchFamily="49" charset="0"/>
+              </a:rPr>
+              <a:t>Addi</a:t>
+            </a:r>
+            <a:r>
+              <a:rPr lang="fr-FR" b="0" dirty="0">
+                <a:solidFill>
+                  <a:srgbClr val="ABB2BF"/>
+                </a:solidFill>
+                <a:effectLst/>
+                <a:latin typeface="Consolas" panose="020B0609020204030204" pitchFamily="49" charset="0"/>
+              </a:rPr>
+              <a:t> t5 t0 </a:t>
+            </a:r>
+            <a:r>
+              <a:rPr lang="fr-FR" b="0" dirty="0">
+                <a:solidFill>
+                  <a:srgbClr val="D19A66"/>
+                </a:solidFill>
+                <a:effectLst/>
+                <a:latin typeface="Consolas" panose="020B0609020204030204" pitchFamily="49" charset="0"/>
+              </a:rPr>
+              <a:t>5</a:t>
+            </a:r>
+            <a:endParaRPr lang="fr-FR" b="0" dirty="0">
+              <a:solidFill>
+                <a:srgbClr val="ABB2BF"/>
+              </a:solidFill>
+              <a:effectLst/>
+              <a:latin typeface="Consolas" panose="020B0609020204030204" pitchFamily="49" charset="0"/>
+            </a:endParaRPr>
+          </a:p>
+          <a:p>
+            <a:r>
+              <a:rPr lang="fr-FR" b="0" dirty="0">
+                <a:solidFill>
+                  <a:srgbClr val="D19A66"/>
+                </a:solidFill>
+                <a:effectLst/>
+                <a:latin typeface="Consolas" panose="020B0609020204030204" pitchFamily="49" charset="0"/>
+              </a:rPr>
+              <a:t>00300313</a:t>
+            </a:r>
+            <a:r>
+              <a:rPr lang="fr-FR" b="0" dirty="0">
+                <a:solidFill>
+                  <a:srgbClr val="ABB2BF"/>
+                </a:solidFill>
+                <a:effectLst/>
+                <a:latin typeface="Consolas" panose="020B0609020204030204" pitchFamily="49" charset="0"/>
+              </a:rPr>
+              <a:t> </a:t>
+            </a:r>
+            <a:r>
+              <a:rPr lang="fr-FR" b="0" dirty="0" err="1">
+                <a:solidFill>
+                  <a:srgbClr val="C678DD"/>
+                </a:solidFill>
+                <a:effectLst/>
+                <a:latin typeface="Consolas" panose="020B0609020204030204" pitchFamily="49" charset="0"/>
+              </a:rPr>
+              <a:t>addi</a:t>
+            </a:r>
+            <a:r>
+              <a:rPr lang="fr-FR" b="0" dirty="0">
+                <a:solidFill>
+                  <a:srgbClr val="ABB2BF"/>
+                </a:solidFill>
+                <a:effectLst/>
+                <a:latin typeface="Consolas" panose="020B0609020204030204" pitchFamily="49" charset="0"/>
+              </a:rPr>
+              <a:t> t6 t0 </a:t>
+            </a:r>
+            <a:r>
+              <a:rPr lang="fr-FR" b="0" dirty="0">
+                <a:solidFill>
+                  <a:srgbClr val="D19A66"/>
+                </a:solidFill>
+                <a:effectLst/>
+                <a:latin typeface="Consolas" panose="020B0609020204030204" pitchFamily="49" charset="0"/>
+              </a:rPr>
+              <a:t>3</a:t>
+            </a:r>
+          </a:p>
+          <a:p>
+            <a:r>
+              <a:rPr lang="fr-FR" b="0" dirty="0">
+                <a:solidFill>
+                  <a:srgbClr val="ABB2BF"/>
+                </a:solidFill>
+                <a:effectLst/>
+                <a:latin typeface="Consolas" panose="020B0609020204030204" pitchFamily="49" charset="0"/>
+              </a:rPr>
+              <a:t>006283B3 </a:t>
+            </a:r>
+            <a:r>
+              <a:rPr lang="fr-FR" b="0" dirty="0" err="1">
+                <a:solidFill>
+                  <a:srgbClr val="C678DD"/>
+                </a:solidFill>
+                <a:effectLst/>
+                <a:latin typeface="Consolas" panose="020B0609020204030204" pitchFamily="49" charset="0"/>
+              </a:rPr>
+              <a:t>add</a:t>
+            </a:r>
+            <a:r>
+              <a:rPr lang="fr-FR">
+                <a:solidFill>
+                  <a:srgbClr val="ABB2BF"/>
+                </a:solidFill>
+                <a:latin typeface="Consolas" panose="020B0609020204030204" pitchFamily="49" charset="0"/>
+              </a:rPr>
+              <a:t> t7,</a:t>
+            </a:r>
+            <a:r>
+              <a:rPr lang="fr-FR" b="0">
+                <a:solidFill>
+                  <a:srgbClr val="ABB2BF"/>
+                </a:solidFill>
+                <a:effectLst/>
+                <a:latin typeface="Consolas" panose="020B0609020204030204" pitchFamily="49" charset="0"/>
+              </a:rPr>
+              <a:t>t5,t6</a:t>
+            </a:r>
+            <a:endParaRPr lang="fr-FR">
+              <a:solidFill>
+                <a:srgbClr val="ABB2BF"/>
+              </a:solidFill>
+              <a:latin typeface="Consolas" panose="020B0609020204030204" pitchFamily="49" charset="0"/>
+            </a:endParaRPr>
+          </a:p>
+          <a:p>
+            <a:endParaRPr lang="fr-FR" b="0" dirty="0">
+              <a:solidFill>
+                <a:srgbClr val="ABB2BF"/>
+              </a:solidFill>
+              <a:effectLst/>
+              <a:latin typeface="Consolas" panose="020B0609020204030204" pitchFamily="49" charset="0"/>
+            </a:endParaRPr>
+          </a:p>
+        </p:txBody>
+      </p:sp>
+    </p:spTree>
+    <p:extLst>
+      <p:ext uri="{BB962C8B-B14F-4D97-AF65-F5344CB8AC3E}">
+        <p14:creationId xmlns:p14="http://schemas.microsoft.com/office/powerpoint/2010/main" val="3909453621"/>
+      </p:ext>
+    </p:extLst>
+  </p:cSld>
+  <p:clrMapOvr>
+    <a:masterClrMapping/>
+  </p:clrMapOvr>
+</p:sld>
+</file>
+
 <file path=ppt/slides/slide3.xml><?xml version="1.0" encoding="utf-8"?>
 <p:sld xmlns:a="http://schemas.openxmlformats.org/drawingml/2006/main" xmlns:r="http://schemas.openxmlformats.org/officeDocument/2006/relationships" xmlns:p="http://schemas.openxmlformats.org/presentationml/2006/main">
   <p:cSld>
@@ -4479,7 +6496,7 @@
           <a:p>
             <a:r>
               <a:rPr lang="en-US" dirty="0"/>
-              <a:t>00700383	</a:t>
+              <a:t>00: 00700383	</a:t>
             </a:r>
             <a:r>
               <a:rPr lang="en-US" dirty="0" err="1"/>
@@ -4493,7 +6510,7 @@
           <a:p>
             <a:r>
               <a:rPr lang="en-US" dirty="0"/>
-              <a:t>06402a03	</a:t>
+              <a:t>04: 06402a03	</a:t>
             </a:r>
             <a:r>
               <a:rPr lang="en-US" dirty="0" err="1"/>
@@ -4507,19 +6524,19 @@
           <a:p>
             <a:r>
               <a:rPr lang="en-US" dirty="0"/>
-              <a:t>00000000</a:t>
+              <a:t>08: 00000000</a:t>
             </a:r>
           </a:p>
           <a:p>
             <a:r>
               <a:rPr lang="en-US" dirty="0"/>
-              <a:t>00000000</a:t>
+              <a:t>0C: 00000000</a:t>
             </a:r>
           </a:p>
           <a:p>
             <a:r>
               <a:rPr lang="en-US" dirty="0"/>
-              <a:t>00839393	</a:t>
+              <a:t>10: 00839393	</a:t>
             </a:r>
             <a:r>
               <a:rPr lang="en-US" dirty="0" err="1"/>
@@ -4541,7 +6558,7 @@
           <a:p>
             <a:r>
               <a:rPr lang="en-US" dirty="0"/>
-              <a:t>004a5693	</a:t>
+              <a:t>14: 004a5693	</a:t>
             </a:r>
             <a:r>
               <a:rPr lang="en-US" dirty="0" err="1"/>
@@ -4555,7 +6572,7 @@
           <a:p>
             <a:r>
               <a:rPr lang="en-US" dirty="0"/>
-              <a:t>404a5713	</a:t>
+              <a:t>18: 404a5713	</a:t>
             </a:r>
             <a:r>
               <a:rPr lang="en-US" dirty="0" err="1"/>
@@ -4569,13 +6586,13 @@
           <a:p>
             <a:r>
               <a:rPr lang="en-US" dirty="0"/>
-              <a:t>00000000</a:t>
+              <a:t>1c: 00000000</a:t>
             </a:r>
           </a:p>
           <a:p>
             <a:r>
               <a:rPr lang="en-US" dirty="0"/>
-              <a:t>00700c63		</a:t>
+              <a:t>20: 00700c63		</a:t>
             </a:r>
             <a:r>
               <a:rPr lang="en-US" dirty="0" err="1"/>
@@ -4589,7 +6606,7 @@
           <a:p>
             <a:r>
               <a:rPr lang="en-US" dirty="0"/>
-              <a:t>0053c493		</a:t>
+              <a:t>24: 0053c493		</a:t>
             </a:r>
             <a:r>
               <a:rPr lang="en-US" dirty="0" err="1"/>
@@ -4603,19 +6620,19 @@
           <a:p>
             <a:r>
               <a:rPr lang="en-US" dirty="0"/>
-              <a:t>00000000</a:t>
+              <a:t>28: 00000000</a:t>
             </a:r>
           </a:p>
           <a:p>
             <a:r>
               <a:rPr lang="en-US" dirty="0"/>
-              <a:t>00000000</a:t>
+              <a:t>2c: 00000000</a:t>
             </a:r>
           </a:p>
           <a:p>
             <a:r>
               <a:rPr lang="en-US" dirty="0"/>
-              <a:t>00c000e7		</a:t>
+              <a:t>30: 00c000e7		</a:t>
             </a:r>
             <a:r>
               <a:rPr lang="en-US" dirty="0" err="1"/>
@@ -4629,28 +6646,27 @@
           <a:p>
             <a:r>
               <a:rPr lang="en-US" dirty="0"/>
-              <a:t>00000000</a:t>
+              <a:t>34: 00000000</a:t>
             </a:r>
           </a:p>
           <a:p>
             <a:r>
               <a:rPr lang="en-US" dirty="0"/>
-              <a:t>0053c493		</a:t>
+              <a:t>38: 0053c493		</a:t>
             </a:r>
             <a:r>
               <a:rPr lang="en-US" dirty="0" err="1"/>
               <a:t>xori</a:t>
             </a:r>
             <a:r>
-              <a:rPr lang="en-US"/>
+              <a:rPr lang="en-US" dirty="0"/>
               <a:t> x9 x7 5</a:t>
             </a:r>
-            <a:endParaRPr lang="en-US" dirty="0"/>
           </a:p>
           <a:p>
             <a:r>
               <a:rPr lang="en-US" dirty="0"/>
-              <a:t>00000000</a:t>
+              <a:t>3c: 00000000</a:t>
             </a:r>
           </a:p>
         </p:txBody>
@@ -4959,6 +6975,131 @@
     <p:extLst>
       <p:ext uri="{BB962C8B-B14F-4D97-AF65-F5344CB8AC3E}">
         <p14:creationId xmlns:p14="http://schemas.microsoft.com/office/powerpoint/2010/main" val="2157974518"/>
+      </p:ext>
+    </p:extLst>
+  </p:cSld>
+  <p:clrMapOvr>
+    <a:masterClrMapping/>
+  </p:clrMapOvr>
+</p:sld>
+</file>
+
+<file path=ppt/slides/slide9.xml><?xml version="1.0" encoding="utf-8"?>
+<p:sld xmlns:a="http://schemas.openxmlformats.org/drawingml/2006/main" xmlns:r="http://schemas.openxmlformats.org/officeDocument/2006/relationships" xmlns:p="http://schemas.openxmlformats.org/presentationml/2006/main">
+  <p:cSld>
+    <p:spTree>
+      <p:nvGrpSpPr>
+        <p:cNvPr id="1" name=""/>
+        <p:cNvGrpSpPr/>
+        <p:nvPr/>
+      </p:nvGrpSpPr>
+      <p:grpSpPr>
+        <a:xfrm>
+          <a:off x="0" y="0"/>
+          <a:ext cx="0" cy="0"/>
+          <a:chOff x="0" y="0"/>
+          <a:chExt cx="0" cy="0"/>
+        </a:xfrm>
+      </p:grpSpPr>
+      <p:sp>
+        <p:nvSpPr>
+          <p:cNvPr id="3" name="TextBox 2">
+            <a:extLst>
+              <a:ext uri="{FF2B5EF4-FFF2-40B4-BE49-F238E27FC236}">
+                <a16:creationId xmlns:a16="http://schemas.microsoft.com/office/drawing/2014/main" id="{186253EB-4424-C1F4-A7DE-0E40FAE3C9A5}"/>
+              </a:ext>
+            </a:extLst>
+          </p:cNvPr>
+          <p:cNvSpPr txBox="1"/>
+          <p:nvPr/>
+        </p:nvSpPr>
+        <p:spPr>
+          <a:xfrm>
+            <a:off x="566836" y="855127"/>
+            <a:ext cx="6097554" cy="2031325"/>
+          </a:xfrm>
+          <a:prstGeom prst="rect">
+            <a:avLst/>
+          </a:prstGeom>
+          <a:noFill/>
+        </p:spPr>
+        <p:txBody>
+          <a:bodyPr wrap="square">
+            <a:spAutoFit/>
+          </a:bodyPr>
+          <a:lstStyle/>
+          <a:p>
+            <a:r>
+              <a:rPr lang="en-US" dirty="0"/>
+              <a:t>@00000000</a:t>
+            </a:r>
+          </a:p>
+          <a:p>
+            <a:r>
+              <a:rPr lang="en-US" dirty="0"/>
+              <a:t>00500293	</a:t>
+            </a:r>
+            <a:r>
+              <a:rPr lang="en-US" dirty="0" err="1"/>
+              <a:t>addi</a:t>
+            </a:r>
+            <a:r>
+              <a:rPr lang="en-US" dirty="0"/>
+              <a:t> r5, 5(r0)</a:t>
+            </a:r>
+          </a:p>
+          <a:p>
+            <a:r>
+              <a:rPr lang="en-US" dirty="0"/>
+              <a:t>00300313	</a:t>
+            </a:r>
+            <a:r>
+              <a:rPr lang="en-US" dirty="0" err="1"/>
+              <a:t>addi</a:t>
+            </a:r>
+            <a:r>
+              <a:rPr lang="en-US" dirty="0"/>
+              <a:t> r6, 3(r0)</a:t>
+            </a:r>
+          </a:p>
+          <a:p>
+            <a:r>
+              <a:rPr lang="en-US" dirty="0"/>
+              <a:t>006283B3	add r7,r5,r6</a:t>
+            </a:r>
+          </a:p>
+          <a:p>
+            <a:r>
+              <a:rPr lang="en-US" dirty="0"/>
+              <a:t>00002403	Lw r8,0(r0)</a:t>
+            </a:r>
+          </a:p>
+          <a:p>
+            <a:r>
+              <a:rPr lang="en-US" dirty="0"/>
+              <a:t>00100493	</a:t>
+            </a:r>
+            <a:r>
+              <a:rPr lang="en-US" dirty="0" err="1"/>
+              <a:t>addi</a:t>
+            </a:r>
+            <a:r>
+              <a:rPr lang="en-US" dirty="0"/>
+              <a:t> r9,1(r0)</a:t>
+            </a:r>
+          </a:p>
+          <a:p>
+            <a:r>
+              <a:rPr lang="en-US" dirty="0"/>
+              <a:t>00940533	add r10,r8,r9</a:t>
+            </a:r>
+          </a:p>
+        </p:txBody>
+      </p:sp>
+    </p:spTree>
+    <p:extLst>
+      <p:ext uri="{BB962C8B-B14F-4D97-AF65-F5344CB8AC3E}">
+        <p14:creationId xmlns:p14="http://schemas.microsoft.com/office/powerpoint/2010/main" val="1052888321"/>
       </p:ext>
     </p:extLst>
   </p:cSld>
